--- a/mid-presentation_ieeum051_1.pptx
+++ b/mid-presentation_ieeum051_1.pptx
@@ -145,6 +145,3128 @@
     </p:ext>
   </p:extLst>
 </p:presentation>
+</file>
+
+<file path=ppt/charts/chart1.xml><?xml version="1.0" encoding="utf-8"?>
+<c:chartSpace xmlns:c="http://schemas.openxmlformats.org/drawingml/2006/chart" xmlns:a="http://schemas.openxmlformats.org/drawingml/2006/main" xmlns:r="http://schemas.openxmlformats.org/officeDocument/2006/relationships">
+  <c:date1904 val="0"/>
+  <c:lang val="ko-KR"/>
+  <c:roundedCorners val="0"/>
+  <mc:AlternateContent xmlns:mc="http://schemas.openxmlformats.org/markup-compatibility/2006">
+    <mc:Choice xmlns:c14="http://schemas.microsoft.com/office/drawing/2007/8/2/chart" Requires="c14">
+      <c14:style val="102"/>
+    </mc:Choice>
+    <mc:Fallback>
+      <c:style val="2"/>
+    </mc:Fallback>
+  </mc:AlternateContent>
+  <c:pivotSource>
+    <c:name>[FeedBack_cliff.xlsx]Sheet8!피벗 테이블1</c:name>
+    <c:fmtId val="60"/>
+  </c:pivotSource>
+  <c:chart>
+    <c:autoTitleDeleted val="1"/>
+    <c:pivotFmts>
+      <c:pivotFmt>
+        <c:idx val="0"/>
+        <c:spPr>
+          <a:solidFill>
+            <a:schemeClr val="accent2"/>
+          </a:solidFill>
+          <a:ln>
+            <a:noFill/>
+          </a:ln>
+          <a:effectLst/>
+        </c:spPr>
+        <c:marker>
+          <c:symbol val="circle"/>
+          <c:size val="5"/>
+          <c:spPr>
+            <a:solidFill>
+              <a:schemeClr val="accent2"/>
+            </a:solidFill>
+            <a:ln w="9525">
+              <a:solidFill>
+                <a:schemeClr val="accent2"/>
+              </a:solidFill>
+            </a:ln>
+            <a:effectLst/>
+          </c:spPr>
+        </c:marker>
+        <c:dLbl>
+          <c:idx val="0"/>
+          <c:spPr>
+            <a:noFill/>
+            <a:ln>
+              <a:noFill/>
+            </a:ln>
+            <a:effectLst/>
+          </c:spPr>
+          <c:txPr>
+            <a:bodyPr rot="0" spcFirstLastPara="1" vertOverflow="ellipsis" vert="horz" wrap="square" lIns="38100" tIns="19050" rIns="38100" bIns="19050" anchor="ctr" anchorCtr="1">
+              <a:spAutoFit/>
+            </a:bodyPr>
+            <a:lstStyle/>
+            <a:p>
+              <a:pPr>
+                <a:defRPr sz="900" b="0" i="0" u="none" strike="noStrike" kern="1200" baseline="0">
+                  <a:solidFill>
+                    <a:schemeClr val="tx1">
+                      <a:lumMod val="75000"/>
+                      <a:lumOff val="25000"/>
+                    </a:schemeClr>
+                  </a:solidFill>
+                  <a:latin typeface="+mn-lt"/>
+                  <a:ea typeface="+mn-ea"/>
+                  <a:cs typeface="+mn-cs"/>
+                </a:defRPr>
+              </a:pPr>
+              <a:endParaRPr lang="ko-KR"/>
+            </a:p>
+          </c:txPr>
+          <c:showLegendKey val="0"/>
+          <c:showVal val="1"/>
+          <c:showCatName val="0"/>
+          <c:showSerName val="0"/>
+          <c:showPercent val="0"/>
+          <c:showBubbleSize val="0"/>
+          <c:extLst>
+            <c:ext xmlns:c15="http://schemas.microsoft.com/office/drawing/2012/chart" uri="{CE6537A1-D6FC-4f65-9D91-7224C49458BB}"/>
+          </c:extLst>
+        </c:dLbl>
+      </c:pivotFmt>
+      <c:pivotFmt>
+        <c:idx val="1"/>
+        <c:spPr>
+          <a:solidFill>
+            <a:schemeClr val="accent2"/>
+          </a:solidFill>
+          <a:ln>
+            <a:noFill/>
+          </a:ln>
+          <a:effectLst/>
+        </c:spPr>
+        <c:marker>
+          <c:symbol val="none"/>
+        </c:marker>
+        <c:dLbl>
+          <c:idx val="0"/>
+          <c:spPr>
+            <a:noFill/>
+            <a:ln>
+              <a:noFill/>
+            </a:ln>
+            <a:effectLst/>
+          </c:spPr>
+          <c:txPr>
+            <a:bodyPr rot="0" spcFirstLastPara="1" vertOverflow="ellipsis" vert="horz" wrap="square" lIns="38100" tIns="19050" rIns="38100" bIns="19050" anchor="ctr" anchorCtr="1">
+              <a:spAutoFit/>
+            </a:bodyPr>
+            <a:lstStyle/>
+            <a:p>
+              <a:pPr>
+                <a:defRPr sz="900" b="0" i="0" u="none" strike="noStrike" kern="1200" baseline="0">
+                  <a:solidFill>
+                    <a:schemeClr val="tx1">
+                      <a:lumMod val="75000"/>
+                      <a:lumOff val="25000"/>
+                    </a:schemeClr>
+                  </a:solidFill>
+                  <a:latin typeface="+mn-lt"/>
+                  <a:ea typeface="+mn-ea"/>
+                  <a:cs typeface="+mn-cs"/>
+                </a:defRPr>
+              </a:pPr>
+              <a:endParaRPr lang="ko-KR"/>
+            </a:p>
+          </c:txPr>
+          <c:showLegendKey val="0"/>
+          <c:showVal val="1"/>
+          <c:showCatName val="0"/>
+          <c:showSerName val="0"/>
+          <c:showPercent val="0"/>
+          <c:showBubbleSize val="0"/>
+          <c:extLst>
+            <c:ext xmlns:c15="http://schemas.microsoft.com/office/drawing/2012/chart" uri="{CE6537A1-D6FC-4f65-9D91-7224C49458BB}"/>
+          </c:extLst>
+        </c:dLbl>
+      </c:pivotFmt>
+      <c:pivotFmt>
+        <c:idx val="2"/>
+        <c:spPr>
+          <a:solidFill>
+            <a:schemeClr val="accent2"/>
+          </a:solidFill>
+          <a:ln>
+            <a:noFill/>
+          </a:ln>
+          <a:effectLst/>
+        </c:spPr>
+        <c:marker>
+          <c:symbol val="none"/>
+        </c:marker>
+        <c:dLbl>
+          <c:idx val="0"/>
+          <c:spPr>
+            <a:noFill/>
+            <a:ln>
+              <a:noFill/>
+            </a:ln>
+            <a:effectLst/>
+          </c:spPr>
+          <c:txPr>
+            <a:bodyPr rot="0" spcFirstLastPara="1" vertOverflow="ellipsis" vert="horz" wrap="square" lIns="38100" tIns="19050" rIns="38100" bIns="19050" anchor="ctr" anchorCtr="1">
+              <a:spAutoFit/>
+            </a:bodyPr>
+            <a:lstStyle/>
+            <a:p>
+              <a:pPr>
+                <a:defRPr sz="900" b="0" i="0" u="none" strike="noStrike" kern="1200" baseline="0">
+                  <a:solidFill>
+                    <a:schemeClr val="tx1">
+                      <a:lumMod val="75000"/>
+                      <a:lumOff val="25000"/>
+                    </a:schemeClr>
+                  </a:solidFill>
+                  <a:latin typeface="+mn-lt"/>
+                  <a:ea typeface="+mn-ea"/>
+                  <a:cs typeface="+mn-cs"/>
+                </a:defRPr>
+              </a:pPr>
+              <a:endParaRPr lang="ko-KR"/>
+            </a:p>
+          </c:txPr>
+          <c:showLegendKey val="0"/>
+          <c:showVal val="1"/>
+          <c:showCatName val="0"/>
+          <c:showSerName val="0"/>
+          <c:showPercent val="0"/>
+          <c:showBubbleSize val="0"/>
+          <c:extLst>
+            <c:ext xmlns:c15="http://schemas.microsoft.com/office/drawing/2012/chart" uri="{CE6537A1-D6FC-4f65-9D91-7224C49458BB}"/>
+          </c:extLst>
+        </c:dLbl>
+      </c:pivotFmt>
+    </c:pivotFmts>
+    <c:plotArea>
+      <c:layout/>
+      <c:barChart>
+        <c:barDir val="bar"/>
+        <c:grouping val="clustered"/>
+        <c:varyColors val="0"/>
+        <c:ser>
+          <c:idx val="0"/>
+          <c:order val="0"/>
+          <c:tx>
+            <c:strRef>
+              <c:f>Sheet8!$B$3</c:f>
+              <c:strCache>
+                <c:ptCount val="1"/>
+                <c:pt idx="0">
+                  <c:v>요약</c:v>
+                </c:pt>
+              </c:strCache>
+            </c:strRef>
+          </c:tx>
+          <c:spPr>
+            <a:solidFill>
+              <a:schemeClr val="accent2"/>
+            </a:solidFill>
+            <a:ln>
+              <a:noFill/>
+            </a:ln>
+            <a:effectLst/>
+          </c:spPr>
+          <c:invertIfNegative val="0"/>
+          <c:dLbls>
+            <c:spPr>
+              <a:noFill/>
+              <a:ln>
+                <a:noFill/>
+              </a:ln>
+              <a:effectLst/>
+            </c:spPr>
+            <c:txPr>
+              <a:bodyPr rot="0" spcFirstLastPara="1" vertOverflow="ellipsis" vert="horz" wrap="square" lIns="38100" tIns="19050" rIns="38100" bIns="19050" anchor="ctr" anchorCtr="1">
+                <a:spAutoFit/>
+              </a:bodyPr>
+              <a:lstStyle/>
+              <a:p>
+                <a:pPr>
+                  <a:defRPr sz="900" b="0" i="0" u="none" strike="noStrike" kern="1200" baseline="0">
+                    <a:solidFill>
+                      <a:schemeClr val="tx1">
+                        <a:lumMod val="75000"/>
+                        <a:lumOff val="25000"/>
+                      </a:schemeClr>
+                    </a:solidFill>
+                    <a:latin typeface="+mn-lt"/>
+                    <a:ea typeface="+mn-ea"/>
+                    <a:cs typeface="+mn-cs"/>
+                  </a:defRPr>
+                </a:pPr>
+                <a:endParaRPr lang="ko-KR"/>
+              </a:p>
+            </c:txPr>
+            <c:dLblPos val="outEnd"/>
+            <c:showLegendKey val="0"/>
+            <c:showVal val="1"/>
+            <c:showCatName val="0"/>
+            <c:showSerName val="0"/>
+            <c:showPercent val="0"/>
+            <c:showBubbleSize val="0"/>
+            <c:showLeaderLines val="0"/>
+            <c:extLst>
+              <c:ext xmlns:c15="http://schemas.microsoft.com/office/drawing/2012/chart" uri="{CE6537A1-D6FC-4f65-9D91-7224C49458BB}">
+                <c15:layout/>
+                <c15:showLeaderLines val="1"/>
+                <c15:leaderLines>
+                  <c:spPr>
+                    <a:ln w="9525" cap="flat" cmpd="sng" algn="ctr">
+                      <a:solidFill>
+                        <a:schemeClr val="tx1">
+                          <a:lumMod val="35000"/>
+                          <a:lumOff val="65000"/>
+                        </a:schemeClr>
+                      </a:solidFill>
+                      <a:round/>
+                    </a:ln>
+                    <a:effectLst/>
+                  </c:spPr>
+                </c15:leaderLines>
+              </c:ext>
+            </c:extLst>
+          </c:dLbls>
+          <c:cat>
+            <c:strRef>
+              <c:f>Sheet8!$A$4:$A$9</c:f>
+              <c:strCache>
+                <c:ptCount val="5"/>
+                <c:pt idx="0">
+                  <c:v>INTEGRATION_TEST_DEFECT</c:v>
+                </c:pt>
+                <c:pt idx="1">
+                  <c:v>UNIT_TEST_DEFECT</c:v>
+                </c:pt>
+                <c:pt idx="2">
+                  <c:v>SYSTEM_TEST_DEFECT</c:v>
+                </c:pt>
+                <c:pt idx="3">
+                  <c:v>Code Review</c:v>
+                </c:pt>
+                <c:pt idx="4">
+                  <c:v>SonarQube</c:v>
+                </c:pt>
+              </c:strCache>
+            </c:strRef>
+          </c:cat>
+          <c:val>
+            <c:numRef>
+              <c:f>Sheet8!$B$4:$B$9</c:f>
+              <c:numCache>
+                <c:formatCode>General</c:formatCode>
+                <c:ptCount val="5"/>
+                <c:pt idx="0">
+                  <c:v>1</c:v>
+                </c:pt>
+                <c:pt idx="1">
+                  <c:v>4</c:v>
+                </c:pt>
+                <c:pt idx="2">
+                  <c:v>18</c:v>
+                </c:pt>
+                <c:pt idx="3">
+                  <c:v>21</c:v>
+                </c:pt>
+                <c:pt idx="4">
+                  <c:v>89</c:v>
+                </c:pt>
+              </c:numCache>
+            </c:numRef>
+          </c:val>
+        </c:ser>
+        <c:dLbls>
+          <c:dLblPos val="outEnd"/>
+          <c:showLegendKey val="0"/>
+          <c:showVal val="1"/>
+          <c:showCatName val="0"/>
+          <c:showSerName val="0"/>
+          <c:showPercent val="0"/>
+          <c:showBubbleSize val="0"/>
+        </c:dLbls>
+        <c:gapWidth val="182"/>
+        <c:axId val="437525072"/>
+        <c:axId val="437524680"/>
+      </c:barChart>
+      <c:catAx>
+        <c:axId val="437525072"/>
+        <c:scaling>
+          <c:orientation val="minMax"/>
+        </c:scaling>
+        <c:delete val="0"/>
+        <c:axPos val="l"/>
+        <c:numFmt formatCode="General" sourceLinked="1"/>
+        <c:majorTickMark val="out"/>
+        <c:minorTickMark val="none"/>
+        <c:tickLblPos val="nextTo"/>
+        <c:spPr>
+          <a:noFill/>
+          <a:ln w="9525" cap="flat" cmpd="sng" algn="ctr">
+            <a:solidFill>
+              <a:schemeClr val="tx1">
+                <a:lumMod val="15000"/>
+                <a:lumOff val="85000"/>
+              </a:schemeClr>
+            </a:solidFill>
+            <a:round/>
+          </a:ln>
+          <a:effectLst/>
+        </c:spPr>
+        <c:txPr>
+          <a:bodyPr rot="-60000000" spcFirstLastPara="1" vertOverflow="ellipsis" vert="horz" wrap="square" anchor="ctr" anchorCtr="1"/>
+          <a:lstStyle/>
+          <a:p>
+            <a:pPr>
+              <a:defRPr sz="900" b="1" i="0" u="none" strike="noStrike" kern="1200" baseline="0">
+                <a:solidFill>
+                  <a:schemeClr val="tx1">
+                    <a:lumMod val="65000"/>
+                    <a:lumOff val="35000"/>
+                  </a:schemeClr>
+                </a:solidFill>
+                <a:latin typeface="+mn-lt"/>
+                <a:ea typeface="+mn-ea"/>
+                <a:cs typeface="+mn-cs"/>
+              </a:defRPr>
+            </a:pPr>
+            <a:endParaRPr lang="ko-KR"/>
+          </a:p>
+        </c:txPr>
+        <c:crossAx val="437524680"/>
+        <c:crosses val="autoZero"/>
+        <c:auto val="1"/>
+        <c:lblAlgn val="ctr"/>
+        <c:lblOffset val="100"/>
+        <c:noMultiLvlLbl val="0"/>
+      </c:catAx>
+      <c:valAx>
+        <c:axId val="437524680"/>
+        <c:scaling>
+          <c:orientation val="minMax"/>
+        </c:scaling>
+        <c:delete val="0"/>
+        <c:axPos val="b"/>
+        <c:majorGridlines>
+          <c:spPr>
+            <a:ln w="9525" cap="flat" cmpd="sng" algn="ctr">
+              <a:solidFill>
+                <a:schemeClr val="tx1">
+                  <a:lumMod val="15000"/>
+                  <a:lumOff val="85000"/>
+                </a:schemeClr>
+              </a:solidFill>
+              <a:round/>
+            </a:ln>
+            <a:effectLst/>
+          </c:spPr>
+        </c:majorGridlines>
+        <c:numFmt formatCode="General" sourceLinked="1"/>
+        <c:majorTickMark val="out"/>
+        <c:minorTickMark val="none"/>
+        <c:tickLblPos val="nextTo"/>
+        <c:spPr>
+          <a:noFill/>
+          <a:ln>
+            <a:noFill/>
+          </a:ln>
+          <a:effectLst/>
+        </c:spPr>
+        <c:txPr>
+          <a:bodyPr rot="-60000000" spcFirstLastPara="1" vertOverflow="ellipsis" vert="horz" wrap="square" anchor="ctr" anchorCtr="1"/>
+          <a:lstStyle/>
+          <a:p>
+            <a:pPr>
+              <a:defRPr sz="900" b="0" i="0" u="none" strike="noStrike" kern="1200" baseline="0">
+                <a:solidFill>
+                  <a:schemeClr val="tx1">
+                    <a:lumMod val="65000"/>
+                    <a:lumOff val="35000"/>
+                  </a:schemeClr>
+                </a:solidFill>
+                <a:latin typeface="+mn-lt"/>
+                <a:ea typeface="+mn-ea"/>
+                <a:cs typeface="+mn-cs"/>
+              </a:defRPr>
+            </a:pPr>
+            <a:endParaRPr lang="ko-KR"/>
+          </a:p>
+        </c:txPr>
+        <c:crossAx val="437525072"/>
+        <c:crosses val="autoZero"/>
+        <c:crossBetween val="between"/>
+      </c:valAx>
+      <c:spPr>
+        <a:noFill/>
+        <a:ln>
+          <a:noFill/>
+        </a:ln>
+        <a:effectLst/>
+      </c:spPr>
+    </c:plotArea>
+    <c:plotVisOnly val="1"/>
+    <c:dispBlanksAs val="gap"/>
+    <c:showDLblsOverMax val="0"/>
+  </c:chart>
+  <c:spPr>
+    <a:noFill/>
+    <a:ln>
+      <a:noFill/>
+    </a:ln>
+    <a:effectLst/>
+  </c:spPr>
+  <c:txPr>
+    <a:bodyPr/>
+    <a:lstStyle/>
+    <a:p>
+      <a:pPr>
+        <a:defRPr/>
+      </a:pPr>
+      <a:endParaRPr lang="ko-KR"/>
+    </a:p>
+  </c:txPr>
+  <c:externalData r:id="rId3">
+    <c:autoUpdate val="0"/>
+  </c:externalData>
+  <c:extLst>
+    <c:ext xmlns:c14="http://schemas.microsoft.com/office/drawing/2007/8/2/chart" uri="{781A3756-C4B2-4CAC-9D66-4F8BD8637D16}">
+      <c14:pivotOptions>
+        <c14:dropZoneFilter val="1"/>
+        <c14:dropZoneCategories val="1"/>
+        <c14:dropZoneData val="1"/>
+        <c14:dropZonesVisible val="1"/>
+      </c14:pivotOptions>
+    </c:ext>
+  </c:extLst>
+</c:chartSpace>
+</file>
+
+<file path=ppt/charts/chart2.xml><?xml version="1.0" encoding="utf-8"?>
+<c:chartSpace xmlns:c="http://schemas.openxmlformats.org/drawingml/2006/chart" xmlns:a="http://schemas.openxmlformats.org/drawingml/2006/main" xmlns:r="http://schemas.openxmlformats.org/officeDocument/2006/relationships">
+  <c:date1904 val="0"/>
+  <c:lang val="ko-KR"/>
+  <c:roundedCorners val="0"/>
+  <mc:AlternateContent xmlns:mc="http://schemas.openxmlformats.org/markup-compatibility/2006">
+    <mc:Choice xmlns:c14="http://schemas.microsoft.com/office/drawing/2007/8/2/chart" Requires="c14">
+      <c14:style val="102"/>
+    </mc:Choice>
+    <mc:Fallback>
+      <c:style val="2"/>
+    </mc:Fallback>
+  </mc:AlternateContent>
+  <c:pivotSource>
+    <c:name>[FeedBack_cliff.xlsx]Sheet10!피벗 테이블3</c:name>
+    <c:fmtId val="10"/>
+  </c:pivotSource>
+  <c:chart>
+    <c:autoTitleDeleted val="1"/>
+    <c:pivotFmts>
+      <c:pivotFmt>
+        <c:idx val="0"/>
+        <c:spPr>
+          <a:solidFill>
+            <a:schemeClr val="accent6"/>
+          </a:solidFill>
+          <a:ln>
+            <a:noFill/>
+          </a:ln>
+          <a:effectLst/>
+        </c:spPr>
+        <c:marker>
+          <c:symbol val="circle"/>
+          <c:size val="5"/>
+          <c:spPr>
+            <a:solidFill>
+              <a:schemeClr val="accent6"/>
+            </a:solidFill>
+            <a:ln w="9525">
+              <a:solidFill>
+                <a:schemeClr val="accent6"/>
+              </a:solidFill>
+            </a:ln>
+            <a:effectLst/>
+          </c:spPr>
+        </c:marker>
+        <c:dLbl>
+          <c:idx val="0"/>
+          <c:spPr>
+            <a:noFill/>
+            <a:ln>
+              <a:noFill/>
+            </a:ln>
+            <a:effectLst/>
+          </c:spPr>
+          <c:txPr>
+            <a:bodyPr rot="0" spcFirstLastPara="1" vertOverflow="ellipsis" vert="horz" wrap="square" lIns="38100" tIns="19050" rIns="38100" bIns="19050" anchor="ctr" anchorCtr="1">
+              <a:spAutoFit/>
+            </a:bodyPr>
+            <a:lstStyle/>
+            <a:p>
+              <a:pPr>
+                <a:defRPr sz="900" b="0" i="0" u="none" strike="noStrike" kern="1200" baseline="0">
+                  <a:solidFill>
+                    <a:schemeClr val="tx1">
+                      <a:lumMod val="75000"/>
+                      <a:lumOff val="25000"/>
+                    </a:schemeClr>
+                  </a:solidFill>
+                  <a:latin typeface="+mn-lt"/>
+                  <a:ea typeface="+mn-ea"/>
+                  <a:cs typeface="+mn-cs"/>
+                </a:defRPr>
+              </a:pPr>
+              <a:endParaRPr lang="ko-KR"/>
+            </a:p>
+          </c:txPr>
+          <c:showLegendKey val="0"/>
+          <c:showVal val="1"/>
+          <c:showCatName val="0"/>
+          <c:showSerName val="0"/>
+          <c:showPercent val="0"/>
+          <c:showBubbleSize val="0"/>
+          <c:extLst>
+            <c:ext xmlns:c15="http://schemas.microsoft.com/office/drawing/2012/chart" uri="{CE6537A1-D6FC-4f65-9D91-7224C49458BB}"/>
+          </c:extLst>
+        </c:dLbl>
+      </c:pivotFmt>
+      <c:pivotFmt>
+        <c:idx val="1"/>
+        <c:spPr>
+          <a:solidFill>
+            <a:schemeClr val="accent6"/>
+          </a:solidFill>
+          <a:ln>
+            <a:noFill/>
+          </a:ln>
+          <a:effectLst/>
+        </c:spPr>
+        <c:marker>
+          <c:symbol val="none"/>
+        </c:marker>
+        <c:dLbl>
+          <c:idx val="0"/>
+          <c:spPr>
+            <a:noFill/>
+            <a:ln>
+              <a:noFill/>
+            </a:ln>
+            <a:effectLst/>
+          </c:spPr>
+          <c:txPr>
+            <a:bodyPr rot="0" spcFirstLastPara="1" vertOverflow="ellipsis" vert="horz" wrap="square" lIns="38100" tIns="19050" rIns="38100" bIns="19050" anchor="ctr" anchorCtr="1">
+              <a:spAutoFit/>
+            </a:bodyPr>
+            <a:lstStyle/>
+            <a:p>
+              <a:pPr>
+                <a:defRPr sz="900" b="0" i="0" u="none" strike="noStrike" kern="1200" baseline="0">
+                  <a:solidFill>
+                    <a:schemeClr val="tx1">
+                      <a:lumMod val="75000"/>
+                      <a:lumOff val="25000"/>
+                    </a:schemeClr>
+                  </a:solidFill>
+                  <a:latin typeface="+mn-lt"/>
+                  <a:ea typeface="+mn-ea"/>
+                  <a:cs typeface="+mn-cs"/>
+                </a:defRPr>
+              </a:pPr>
+              <a:endParaRPr lang="ko-KR"/>
+            </a:p>
+          </c:txPr>
+          <c:showLegendKey val="0"/>
+          <c:showVal val="1"/>
+          <c:showCatName val="0"/>
+          <c:showSerName val="0"/>
+          <c:showPercent val="0"/>
+          <c:showBubbleSize val="0"/>
+          <c:extLst>
+            <c:ext xmlns:c15="http://schemas.microsoft.com/office/drawing/2012/chart" uri="{CE6537A1-D6FC-4f65-9D91-7224C49458BB}"/>
+          </c:extLst>
+        </c:dLbl>
+      </c:pivotFmt>
+      <c:pivotFmt>
+        <c:idx val="2"/>
+        <c:spPr>
+          <a:solidFill>
+            <a:schemeClr val="accent6"/>
+          </a:solidFill>
+          <a:ln>
+            <a:noFill/>
+          </a:ln>
+          <a:effectLst/>
+        </c:spPr>
+        <c:marker>
+          <c:symbol val="none"/>
+        </c:marker>
+        <c:dLbl>
+          <c:idx val="0"/>
+          <c:spPr>
+            <a:noFill/>
+            <a:ln>
+              <a:noFill/>
+            </a:ln>
+            <a:effectLst/>
+          </c:spPr>
+          <c:txPr>
+            <a:bodyPr rot="0" spcFirstLastPara="1" vertOverflow="ellipsis" vert="horz" wrap="square" lIns="38100" tIns="19050" rIns="38100" bIns="19050" anchor="ctr" anchorCtr="1">
+              <a:spAutoFit/>
+            </a:bodyPr>
+            <a:lstStyle/>
+            <a:p>
+              <a:pPr>
+                <a:defRPr sz="900" b="0" i="0" u="none" strike="noStrike" kern="1200" baseline="0">
+                  <a:solidFill>
+                    <a:schemeClr val="tx1">
+                      <a:lumMod val="75000"/>
+                      <a:lumOff val="25000"/>
+                    </a:schemeClr>
+                  </a:solidFill>
+                  <a:latin typeface="+mn-lt"/>
+                  <a:ea typeface="+mn-ea"/>
+                  <a:cs typeface="+mn-cs"/>
+                </a:defRPr>
+              </a:pPr>
+              <a:endParaRPr lang="ko-KR"/>
+            </a:p>
+          </c:txPr>
+          <c:showLegendKey val="0"/>
+          <c:showVal val="1"/>
+          <c:showCatName val="0"/>
+          <c:showSerName val="0"/>
+          <c:showPercent val="0"/>
+          <c:showBubbleSize val="0"/>
+          <c:extLst>
+            <c:ext xmlns:c15="http://schemas.microsoft.com/office/drawing/2012/chart" uri="{CE6537A1-D6FC-4f65-9D91-7224C49458BB}"/>
+          </c:extLst>
+        </c:dLbl>
+      </c:pivotFmt>
+    </c:pivotFmts>
+    <c:plotArea>
+      <c:layout/>
+      <c:barChart>
+        <c:barDir val="bar"/>
+        <c:grouping val="clustered"/>
+        <c:varyColors val="0"/>
+        <c:ser>
+          <c:idx val="0"/>
+          <c:order val="0"/>
+          <c:tx>
+            <c:strRef>
+              <c:f>Sheet10!$B$3</c:f>
+              <c:strCache>
+                <c:ptCount val="1"/>
+                <c:pt idx="0">
+                  <c:v>요약</c:v>
+                </c:pt>
+              </c:strCache>
+            </c:strRef>
+          </c:tx>
+          <c:spPr>
+            <a:solidFill>
+              <a:schemeClr val="accent6"/>
+            </a:solidFill>
+            <a:ln>
+              <a:noFill/>
+            </a:ln>
+            <a:effectLst/>
+          </c:spPr>
+          <c:invertIfNegative val="0"/>
+          <c:dLbls>
+            <c:spPr>
+              <a:noFill/>
+              <a:ln>
+                <a:noFill/>
+              </a:ln>
+              <a:effectLst/>
+            </c:spPr>
+            <c:txPr>
+              <a:bodyPr rot="0" spcFirstLastPara="1" vertOverflow="ellipsis" vert="horz" wrap="square" lIns="38100" tIns="19050" rIns="38100" bIns="19050" anchor="ctr" anchorCtr="1">
+                <a:spAutoFit/>
+              </a:bodyPr>
+              <a:lstStyle/>
+              <a:p>
+                <a:pPr>
+                  <a:defRPr sz="900" b="0" i="0" u="none" strike="noStrike" kern="1200" baseline="0">
+                    <a:solidFill>
+                      <a:schemeClr val="tx1">
+                        <a:lumMod val="75000"/>
+                        <a:lumOff val="25000"/>
+                      </a:schemeClr>
+                    </a:solidFill>
+                    <a:latin typeface="+mn-lt"/>
+                    <a:ea typeface="+mn-ea"/>
+                    <a:cs typeface="+mn-cs"/>
+                  </a:defRPr>
+                </a:pPr>
+                <a:endParaRPr lang="ko-KR"/>
+              </a:p>
+            </c:txPr>
+            <c:showLegendKey val="0"/>
+            <c:showVal val="1"/>
+            <c:showCatName val="0"/>
+            <c:showSerName val="0"/>
+            <c:showPercent val="0"/>
+            <c:showBubbleSize val="0"/>
+            <c:showLeaderLines val="0"/>
+            <c:extLst>
+              <c:ext xmlns:c15="http://schemas.microsoft.com/office/drawing/2012/chart" uri="{CE6537A1-D6FC-4f65-9D91-7224C49458BB}">
+                <c15:layout/>
+                <c15:showLeaderLines val="1"/>
+                <c15:leaderLines>
+                  <c:spPr>
+                    <a:ln w="9525" cap="flat" cmpd="sng" algn="ctr">
+                      <a:solidFill>
+                        <a:schemeClr val="tx1">
+                          <a:lumMod val="35000"/>
+                          <a:lumOff val="65000"/>
+                        </a:schemeClr>
+                      </a:solidFill>
+                      <a:round/>
+                    </a:ln>
+                    <a:effectLst/>
+                  </c:spPr>
+                </c15:leaderLines>
+              </c:ext>
+            </c:extLst>
+          </c:dLbls>
+          <c:cat>
+            <c:strRef>
+              <c:f>Sheet10!$A$4:$A$7</c:f>
+              <c:strCache>
+                <c:ptCount val="3"/>
+                <c:pt idx="0">
+                  <c:v>Critical</c:v>
+                </c:pt>
+                <c:pt idx="1">
+                  <c:v>Major</c:v>
+                </c:pt>
+                <c:pt idx="2">
+                  <c:v>Minor</c:v>
+                </c:pt>
+              </c:strCache>
+            </c:strRef>
+          </c:cat>
+          <c:val>
+            <c:numRef>
+              <c:f>Sheet10!$B$4:$B$7</c:f>
+              <c:numCache>
+                <c:formatCode>General</c:formatCode>
+                <c:ptCount val="3"/>
+                <c:pt idx="0">
+                  <c:v>2</c:v>
+                </c:pt>
+                <c:pt idx="1">
+                  <c:v>27</c:v>
+                </c:pt>
+                <c:pt idx="2">
+                  <c:v>104</c:v>
+                </c:pt>
+              </c:numCache>
+            </c:numRef>
+          </c:val>
+        </c:ser>
+        <c:dLbls>
+          <c:showLegendKey val="0"/>
+          <c:showVal val="0"/>
+          <c:showCatName val="0"/>
+          <c:showSerName val="0"/>
+          <c:showPercent val="0"/>
+          <c:showBubbleSize val="0"/>
+        </c:dLbls>
+        <c:gapWidth val="182"/>
+        <c:axId val="482327720"/>
+        <c:axId val="482328112"/>
+      </c:barChart>
+      <c:catAx>
+        <c:axId val="482327720"/>
+        <c:scaling>
+          <c:orientation val="minMax"/>
+        </c:scaling>
+        <c:delete val="0"/>
+        <c:axPos val="l"/>
+        <c:numFmt formatCode="General" sourceLinked="1"/>
+        <c:majorTickMark val="none"/>
+        <c:minorTickMark val="none"/>
+        <c:tickLblPos val="nextTo"/>
+        <c:spPr>
+          <a:noFill/>
+          <a:ln w="9525" cap="flat" cmpd="sng" algn="ctr">
+            <a:solidFill>
+              <a:schemeClr val="tx1">
+                <a:lumMod val="15000"/>
+                <a:lumOff val="85000"/>
+              </a:schemeClr>
+            </a:solidFill>
+            <a:round/>
+          </a:ln>
+          <a:effectLst/>
+        </c:spPr>
+        <c:txPr>
+          <a:bodyPr rot="-60000000" spcFirstLastPara="1" vertOverflow="ellipsis" vert="horz" wrap="square" anchor="ctr" anchorCtr="1"/>
+          <a:lstStyle/>
+          <a:p>
+            <a:pPr>
+              <a:defRPr sz="900" b="1" i="0" u="none" strike="noStrike" kern="1200" baseline="0">
+                <a:solidFill>
+                  <a:schemeClr val="tx1">
+                    <a:lumMod val="65000"/>
+                    <a:lumOff val="35000"/>
+                  </a:schemeClr>
+                </a:solidFill>
+                <a:latin typeface="+mn-lt"/>
+                <a:ea typeface="+mn-ea"/>
+                <a:cs typeface="+mn-cs"/>
+              </a:defRPr>
+            </a:pPr>
+            <a:endParaRPr lang="ko-KR"/>
+          </a:p>
+        </c:txPr>
+        <c:crossAx val="482328112"/>
+        <c:crosses val="autoZero"/>
+        <c:auto val="1"/>
+        <c:lblAlgn val="ctr"/>
+        <c:lblOffset val="100"/>
+        <c:noMultiLvlLbl val="0"/>
+      </c:catAx>
+      <c:valAx>
+        <c:axId val="482328112"/>
+        <c:scaling>
+          <c:orientation val="minMax"/>
+        </c:scaling>
+        <c:delete val="0"/>
+        <c:axPos val="b"/>
+        <c:majorGridlines>
+          <c:spPr>
+            <a:ln w="9525" cap="flat" cmpd="sng" algn="ctr">
+              <a:solidFill>
+                <a:schemeClr val="tx1">
+                  <a:lumMod val="15000"/>
+                  <a:lumOff val="85000"/>
+                </a:schemeClr>
+              </a:solidFill>
+              <a:round/>
+            </a:ln>
+            <a:effectLst/>
+          </c:spPr>
+        </c:majorGridlines>
+        <c:numFmt formatCode="General" sourceLinked="1"/>
+        <c:majorTickMark val="none"/>
+        <c:minorTickMark val="none"/>
+        <c:tickLblPos val="nextTo"/>
+        <c:spPr>
+          <a:noFill/>
+          <a:ln>
+            <a:noFill/>
+          </a:ln>
+          <a:effectLst/>
+        </c:spPr>
+        <c:txPr>
+          <a:bodyPr rot="-60000000" spcFirstLastPara="1" vertOverflow="ellipsis" vert="horz" wrap="square" anchor="ctr" anchorCtr="1"/>
+          <a:lstStyle/>
+          <a:p>
+            <a:pPr>
+              <a:defRPr sz="900" b="0" i="0" u="none" strike="noStrike" kern="1200" baseline="0">
+                <a:solidFill>
+                  <a:schemeClr val="tx1">
+                    <a:lumMod val="65000"/>
+                    <a:lumOff val="35000"/>
+                  </a:schemeClr>
+                </a:solidFill>
+                <a:latin typeface="+mn-lt"/>
+                <a:ea typeface="+mn-ea"/>
+                <a:cs typeface="+mn-cs"/>
+              </a:defRPr>
+            </a:pPr>
+            <a:endParaRPr lang="ko-KR"/>
+          </a:p>
+        </c:txPr>
+        <c:crossAx val="482327720"/>
+        <c:crosses val="autoZero"/>
+        <c:crossBetween val="between"/>
+      </c:valAx>
+      <c:spPr>
+        <a:noFill/>
+        <a:ln>
+          <a:noFill/>
+        </a:ln>
+        <a:effectLst/>
+      </c:spPr>
+    </c:plotArea>
+    <c:plotVisOnly val="1"/>
+    <c:dispBlanksAs val="gap"/>
+    <c:showDLblsOverMax val="0"/>
+  </c:chart>
+  <c:spPr>
+    <a:noFill/>
+    <a:ln>
+      <a:noFill/>
+    </a:ln>
+    <a:effectLst/>
+  </c:spPr>
+  <c:txPr>
+    <a:bodyPr/>
+    <a:lstStyle/>
+    <a:p>
+      <a:pPr>
+        <a:defRPr/>
+      </a:pPr>
+      <a:endParaRPr lang="ko-KR"/>
+    </a:p>
+  </c:txPr>
+  <c:externalData r:id="rId3">
+    <c:autoUpdate val="0"/>
+  </c:externalData>
+  <c:extLst>
+    <c:ext xmlns:c14="http://schemas.microsoft.com/office/drawing/2007/8/2/chart" uri="{781A3756-C4B2-4CAC-9D66-4F8BD8637D16}">
+      <c14:pivotOptions>
+        <c14:dropZoneFilter val="1"/>
+        <c14:dropZoneCategories val="1"/>
+        <c14:dropZoneData val="1"/>
+        <c14:dropZonesVisible val="1"/>
+      </c14:pivotOptions>
+    </c:ext>
+  </c:extLst>
+</c:chartSpace>
+</file>
+
+<file path=ppt/charts/chart3.xml><?xml version="1.0" encoding="utf-8"?>
+<c:chartSpace xmlns:c="http://schemas.openxmlformats.org/drawingml/2006/chart" xmlns:a="http://schemas.openxmlformats.org/drawingml/2006/main" xmlns:r="http://schemas.openxmlformats.org/officeDocument/2006/relationships">
+  <c:date1904 val="0"/>
+  <c:lang val="ko-KR"/>
+  <c:roundedCorners val="0"/>
+  <mc:AlternateContent xmlns:mc="http://schemas.openxmlformats.org/markup-compatibility/2006">
+    <mc:Choice xmlns:c14="http://schemas.microsoft.com/office/drawing/2007/8/2/chart" Requires="c14">
+      <c14:style val="102"/>
+    </mc:Choice>
+    <mc:Fallback>
+      <c:style val="2"/>
+    </mc:Fallback>
+  </mc:AlternateContent>
+  <c:pivotSource>
+    <c:name>[FeedBack_cliff.xlsx]Sheet9!피벗 테이블2</c:name>
+    <c:fmtId val="15"/>
+  </c:pivotSource>
+  <c:chart>
+    <c:autoTitleDeleted val="1"/>
+    <c:pivotFmts>
+      <c:pivotFmt>
+        <c:idx val="0"/>
+        <c:spPr>
+          <a:solidFill>
+            <a:schemeClr val="accent1"/>
+          </a:solidFill>
+          <a:ln>
+            <a:noFill/>
+          </a:ln>
+          <a:effectLst/>
+        </c:spPr>
+        <c:marker>
+          <c:symbol val="circle"/>
+          <c:size val="5"/>
+          <c:spPr>
+            <a:solidFill>
+              <a:schemeClr val="accent1"/>
+            </a:solidFill>
+            <a:ln w="9525">
+              <a:solidFill>
+                <a:schemeClr val="accent1"/>
+              </a:solidFill>
+            </a:ln>
+            <a:effectLst/>
+          </c:spPr>
+        </c:marker>
+        <c:dLbl>
+          <c:idx val="0"/>
+          <c:spPr>
+            <a:noFill/>
+            <a:ln>
+              <a:noFill/>
+            </a:ln>
+            <a:effectLst/>
+          </c:spPr>
+          <c:txPr>
+            <a:bodyPr rot="0" spcFirstLastPara="1" vertOverflow="ellipsis" vert="horz" wrap="square" lIns="38100" tIns="19050" rIns="38100" bIns="19050" anchor="ctr" anchorCtr="1">
+              <a:spAutoFit/>
+            </a:bodyPr>
+            <a:lstStyle/>
+            <a:p>
+              <a:pPr>
+                <a:defRPr sz="900" b="0" i="0" u="none" strike="noStrike" kern="1200" baseline="0">
+                  <a:solidFill>
+                    <a:schemeClr val="tx1">
+                      <a:lumMod val="75000"/>
+                      <a:lumOff val="25000"/>
+                    </a:schemeClr>
+                  </a:solidFill>
+                  <a:latin typeface="+mn-lt"/>
+                  <a:ea typeface="+mn-ea"/>
+                  <a:cs typeface="+mn-cs"/>
+                </a:defRPr>
+              </a:pPr>
+              <a:endParaRPr lang="ko-KR"/>
+            </a:p>
+          </c:txPr>
+          <c:showLegendKey val="0"/>
+          <c:showVal val="1"/>
+          <c:showCatName val="0"/>
+          <c:showSerName val="0"/>
+          <c:showPercent val="0"/>
+          <c:showBubbleSize val="0"/>
+          <c:extLst>
+            <c:ext xmlns:c15="http://schemas.microsoft.com/office/drawing/2012/chart" uri="{CE6537A1-D6FC-4f65-9D91-7224C49458BB}"/>
+          </c:extLst>
+        </c:dLbl>
+      </c:pivotFmt>
+      <c:pivotFmt>
+        <c:idx val="1"/>
+        <c:spPr>
+          <a:solidFill>
+            <a:schemeClr val="accent1"/>
+          </a:solidFill>
+          <a:ln>
+            <a:noFill/>
+          </a:ln>
+          <a:effectLst/>
+        </c:spPr>
+        <c:marker>
+          <c:symbol val="none"/>
+        </c:marker>
+        <c:dLbl>
+          <c:idx val="0"/>
+          <c:spPr>
+            <a:noFill/>
+            <a:ln>
+              <a:noFill/>
+            </a:ln>
+            <a:effectLst/>
+          </c:spPr>
+          <c:txPr>
+            <a:bodyPr rot="0" spcFirstLastPara="1" vertOverflow="ellipsis" vert="horz" wrap="square" lIns="38100" tIns="19050" rIns="38100" bIns="19050" anchor="ctr" anchorCtr="1">
+              <a:spAutoFit/>
+            </a:bodyPr>
+            <a:lstStyle/>
+            <a:p>
+              <a:pPr>
+                <a:defRPr sz="900" b="0" i="0" u="none" strike="noStrike" kern="1200" baseline="0">
+                  <a:solidFill>
+                    <a:schemeClr val="tx1">
+                      <a:lumMod val="75000"/>
+                      <a:lumOff val="25000"/>
+                    </a:schemeClr>
+                  </a:solidFill>
+                  <a:latin typeface="+mn-lt"/>
+                  <a:ea typeface="+mn-ea"/>
+                  <a:cs typeface="+mn-cs"/>
+                </a:defRPr>
+              </a:pPr>
+              <a:endParaRPr lang="ko-KR"/>
+            </a:p>
+          </c:txPr>
+          <c:showLegendKey val="0"/>
+          <c:showVal val="1"/>
+          <c:showCatName val="0"/>
+          <c:showSerName val="0"/>
+          <c:showPercent val="0"/>
+          <c:showBubbleSize val="0"/>
+          <c:extLst>
+            <c:ext xmlns:c15="http://schemas.microsoft.com/office/drawing/2012/chart" uri="{CE6537A1-D6FC-4f65-9D91-7224C49458BB}"/>
+          </c:extLst>
+        </c:dLbl>
+      </c:pivotFmt>
+      <c:pivotFmt>
+        <c:idx val="2"/>
+        <c:spPr>
+          <a:solidFill>
+            <a:schemeClr val="accent1"/>
+          </a:solidFill>
+          <a:ln>
+            <a:noFill/>
+          </a:ln>
+          <a:effectLst/>
+        </c:spPr>
+        <c:marker>
+          <c:symbol val="none"/>
+        </c:marker>
+        <c:dLbl>
+          <c:idx val="0"/>
+          <c:spPr>
+            <a:noFill/>
+            <a:ln>
+              <a:noFill/>
+            </a:ln>
+            <a:effectLst/>
+          </c:spPr>
+          <c:txPr>
+            <a:bodyPr rot="0" spcFirstLastPara="1" vertOverflow="ellipsis" vert="horz" wrap="square" lIns="38100" tIns="19050" rIns="38100" bIns="19050" anchor="ctr" anchorCtr="1">
+              <a:spAutoFit/>
+            </a:bodyPr>
+            <a:lstStyle/>
+            <a:p>
+              <a:pPr>
+                <a:defRPr sz="900" b="0" i="0" u="none" strike="noStrike" kern="1200" baseline="0">
+                  <a:solidFill>
+                    <a:schemeClr val="tx1">
+                      <a:lumMod val="75000"/>
+                      <a:lumOff val="25000"/>
+                    </a:schemeClr>
+                  </a:solidFill>
+                  <a:latin typeface="+mn-lt"/>
+                  <a:ea typeface="+mn-ea"/>
+                  <a:cs typeface="+mn-cs"/>
+                </a:defRPr>
+              </a:pPr>
+              <a:endParaRPr lang="ko-KR"/>
+            </a:p>
+          </c:txPr>
+          <c:showLegendKey val="0"/>
+          <c:showVal val="1"/>
+          <c:showCatName val="0"/>
+          <c:showSerName val="0"/>
+          <c:showPercent val="0"/>
+          <c:showBubbleSize val="0"/>
+          <c:extLst>
+            <c:ext xmlns:c15="http://schemas.microsoft.com/office/drawing/2012/chart" uri="{CE6537A1-D6FC-4f65-9D91-7224C49458BB}"/>
+          </c:extLst>
+        </c:dLbl>
+      </c:pivotFmt>
+    </c:pivotFmts>
+    <c:plotArea>
+      <c:layout/>
+      <c:barChart>
+        <c:barDir val="bar"/>
+        <c:grouping val="clustered"/>
+        <c:varyColors val="0"/>
+        <c:ser>
+          <c:idx val="0"/>
+          <c:order val="0"/>
+          <c:tx>
+            <c:strRef>
+              <c:f>Sheet9!$B$3</c:f>
+              <c:strCache>
+                <c:ptCount val="1"/>
+                <c:pt idx="0">
+                  <c:v>요약</c:v>
+                </c:pt>
+              </c:strCache>
+            </c:strRef>
+          </c:tx>
+          <c:spPr>
+            <a:solidFill>
+              <a:schemeClr val="accent1"/>
+            </a:solidFill>
+            <a:ln>
+              <a:noFill/>
+            </a:ln>
+            <a:effectLst/>
+          </c:spPr>
+          <c:invertIfNegative val="0"/>
+          <c:dLbls>
+            <c:spPr>
+              <a:noFill/>
+              <a:ln>
+                <a:noFill/>
+              </a:ln>
+              <a:effectLst/>
+            </c:spPr>
+            <c:txPr>
+              <a:bodyPr rot="0" spcFirstLastPara="1" vertOverflow="ellipsis" vert="horz" wrap="square" lIns="38100" tIns="19050" rIns="38100" bIns="19050" anchor="ctr" anchorCtr="1">
+                <a:spAutoFit/>
+              </a:bodyPr>
+              <a:lstStyle/>
+              <a:p>
+                <a:pPr>
+                  <a:defRPr sz="900" b="0" i="0" u="none" strike="noStrike" kern="1200" baseline="0">
+                    <a:solidFill>
+                      <a:schemeClr val="tx1">
+                        <a:lumMod val="75000"/>
+                        <a:lumOff val="25000"/>
+                      </a:schemeClr>
+                    </a:solidFill>
+                    <a:latin typeface="+mn-lt"/>
+                    <a:ea typeface="+mn-ea"/>
+                    <a:cs typeface="+mn-cs"/>
+                  </a:defRPr>
+                </a:pPr>
+                <a:endParaRPr lang="ko-KR"/>
+              </a:p>
+            </c:txPr>
+            <c:showLegendKey val="0"/>
+            <c:showVal val="1"/>
+            <c:showCatName val="0"/>
+            <c:showSerName val="0"/>
+            <c:showPercent val="0"/>
+            <c:showBubbleSize val="0"/>
+            <c:showLeaderLines val="0"/>
+            <c:extLst>
+              <c:ext xmlns:c15="http://schemas.microsoft.com/office/drawing/2012/chart" uri="{CE6537A1-D6FC-4f65-9D91-7224C49458BB}">
+                <c15:layout/>
+                <c15:showLeaderLines val="1"/>
+                <c15:leaderLines>
+                  <c:spPr>
+                    <a:ln w="9525" cap="flat" cmpd="sng" algn="ctr">
+                      <a:solidFill>
+                        <a:schemeClr val="tx1">
+                          <a:lumMod val="35000"/>
+                          <a:lumOff val="65000"/>
+                        </a:schemeClr>
+                      </a:solidFill>
+                      <a:round/>
+                    </a:ln>
+                    <a:effectLst/>
+                  </c:spPr>
+                </c15:leaderLines>
+              </c:ext>
+            </c:extLst>
+          </c:dLbls>
+          <c:cat>
+            <c:strRef>
+              <c:f>Sheet9!$A$4:$A$9</c:f>
+              <c:strCache>
+                <c:ptCount val="5"/>
+                <c:pt idx="0">
+                  <c:v>Jinhyuk Yang </c:v>
+                </c:pt>
+                <c:pt idx="1">
+                  <c:v>Hyoyeon Hwang </c:v>
+                </c:pt>
+                <c:pt idx="2">
+                  <c:v>Jonggoo Lee</c:v>
+                </c:pt>
+                <c:pt idx="3">
+                  <c:v>sungho chin</c:v>
+                </c:pt>
+                <c:pt idx="4">
+                  <c:v>Sujung Lyu </c:v>
+                </c:pt>
+              </c:strCache>
+            </c:strRef>
+          </c:cat>
+          <c:val>
+            <c:numRef>
+              <c:f>Sheet9!$B$4:$B$9</c:f>
+              <c:numCache>
+                <c:formatCode>General</c:formatCode>
+                <c:ptCount val="5"/>
+                <c:pt idx="0">
+                  <c:v>12</c:v>
+                </c:pt>
+                <c:pt idx="1">
+                  <c:v>22</c:v>
+                </c:pt>
+                <c:pt idx="2">
+                  <c:v>27</c:v>
+                </c:pt>
+                <c:pt idx="3">
+                  <c:v>27</c:v>
+                </c:pt>
+                <c:pt idx="4">
+                  <c:v>45</c:v>
+                </c:pt>
+              </c:numCache>
+            </c:numRef>
+          </c:val>
+        </c:ser>
+        <c:dLbls>
+          <c:showLegendKey val="0"/>
+          <c:showVal val="0"/>
+          <c:showCatName val="0"/>
+          <c:showSerName val="0"/>
+          <c:showPercent val="0"/>
+          <c:showBubbleSize val="0"/>
+        </c:dLbls>
+        <c:gapWidth val="182"/>
+        <c:axId val="475022400"/>
+        <c:axId val="475022008"/>
+      </c:barChart>
+      <c:catAx>
+        <c:axId val="475022400"/>
+        <c:scaling>
+          <c:orientation val="minMax"/>
+        </c:scaling>
+        <c:delete val="0"/>
+        <c:axPos val="l"/>
+        <c:numFmt formatCode="General" sourceLinked="1"/>
+        <c:majorTickMark val="none"/>
+        <c:minorTickMark val="none"/>
+        <c:tickLblPos val="nextTo"/>
+        <c:spPr>
+          <a:noFill/>
+          <a:ln w="9525" cap="flat" cmpd="sng" algn="ctr">
+            <a:solidFill>
+              <a:schemeClr val="tx1">
+                <a:lumMod val="15000"/>
+                <a:lumOff val="85000"/>
+              </a:schemeClr>
+            </a:solidFill>
+            <a:round/>
+          </a:ln>
+          <a:effectLst/>
+        </c:spPr>
+        <c:txPr>
+          <a:bodyPr rot="-60000000" spcFirstLastPara="1" vertOverflow="ellipsis" vert="horz" wrap="square" anchor="ctr" anchorCtr="1"/>
+          <a:lstStyle/>
+          <a:p>
+            <a:pPr>
+              <a:defRPr sz="900" b="1" i="0" u="none" strike="noStrike" kern="1200" baseline="0">
+                <a:solidFill>
+                  <a:schemeClr val="tx1">
+                    <a:lumMod val="65000"/>
+                    <a:lumOff val="35000"/>
+                  </a:schemeClr>
+                </a:solidFill>
+                <a:latin typeface="+mn-lt"/>
+                <a:ea typeface="+mn-ea"/>
+                <a:cs typeface="+mn-cs"/>
+              </a:defRPr>
+            </a:pPr>
+            <a:endParaRPr lang="ko-KR"/>
+          </a:p>
+        </c:txPr>
+        <c:crossAx val="475022008"/>
+        <c:crosses val="autoZero"/>
+        <c:auto val="1"/>
+        <c:lblAlgn val="ctr"/>
+        <c:lblOffset val="100"/>
+        <c:noMultiLvlLbl val="0"/>
+      </c:catAx>
+      <c:valAx>
+        <c:axId val="475022008"/>
+        <c:scaling>
+          <c:orientation val="minMax"/>
+        </c:scaling>
+        <c:delete val="0"/>
+        <c:axPos val="b"/>
+        <c:majorGridlines>
+          <c:spPr>
+            <a:ln w="9525" cap="flat" cmpd="sng" algn="ctr">
+              <a:solidFill>
+                <a:schemeClr val="tx1">
+                  <a:lumMod val="15000"/>
+                  <a:lumOff val="85000"/>
+                </a:schemeClr>
+              </a:solidFill>
+              <a:round/>
+            </a:ln>
+            <a:effectLst/>
+          </c:spPr>
+        </c:majorGridlines>
+        <c:numFmt formatCode="General" sourceLinked="1"/>
+        <c:majorTickMark val="none"/>
+        <c:minorTickMark val="none"/>
+        <c:tickLblPos val="nextTo"/>
+        <c:spPr>
+          <a:noFill/>
+          <a:ln>
+            <a:noFill/>
+          </a:ln>
+          <a:effectLst/>
+        </c:spPr>
+        <c:txPr>
+          <a:bodyPr rot="-60000000" spcFirstLastPara="1" vertOverflow="ellipsis" vert="horz" wrap="square" anchor="ctr" anchorCtr="1"/>
+          <a:lstStyle/>
+          <a:p>
+            <a:pPr>
+              <a:defRPr sz="900" b="0" i="0" u="none" strike="noStrike" kern="1200" baseline="0">
+                <a:solidFill>
+                  <a:schemeClr val="tx1">
+                    <a:lumMod val="65000"/>
+                    <a:lumOff val="35000"/>
+                  </a:schemeClr>
+                </a:solidFill>
+                <a:latin typeface="+mn-lt"/>
+                <a:ea typeface="+mn-ea"/>
+                <a:cs typeface="+mn-cs"/>
+              </a:defRPr>
+            </a:pPr>
+            <a:endParaRPr lang="ko-KR"/>
+          </a:p>
+        </c:txPr>
+        <c:crossAx val="475022400"/>
+        <c:crosses val="autoZero"/>
+        <c:crossBetween val="between"/>
+      </c:valAx>
+      <c:spPr>
+        <a:noFill/>
+        <a:ln>
+          <a:noFill/>
+        </a:ln>
+        <a:effectLst/>
+      </c:spPr>
+    </c:plotArea>
+    <c:plotVisOnly val="1"/>
+    <c:dispBlanksAs val="gap"/>
+    <c:showDLblsOverMax val="0"/>
+  </c:chart>
+  <c:spPr>
+    <a:noFill/>
+    <a:ln>
+      <a:noFill/>
+    </a:ln>
+    <a:effectLst/>
+  </c:spPr>
+  <c:txPr>
+    <a:bodyPr/>
+    <a:lstStyle/>
+    <a:p>
+      <a:pPr>
+        <a:defRPr/>
+      </a:pPr>
+      <a:endParaRPr lang="ko-KR"/>
+    </a:p>
+  </c:txPr>
+  <c:externalData r:id="rId3">
+    <c:autoUpdate val="0"/>
+  </c:externalData>
+  <c:extLst>
+    <c:ext xmlns:c14="http://schemas.microsoft.com/office/drawing/2007/8/2/chart" uri="{781A3756-C4B2-4CAC-9D66-4F8BD8637D16}">
+      <c14:pivotOptions>
+        <c14:dropZoneFilter val="1"/>
+        <c14:dropZoneCategories val="1"/>
+        <c14:dropZoneData val="1"/>
+        <c14:dropZonesVisible val="1"/>
+      </c14:pivotOptions>
+    </c:ext>
+  </c:extLst>
+</c:chartSpace>
+</file>
+
+<file path=ppt/charts/colors1.xml><?xml version="1.0" encoding="utf-8"?>
+<cs:colorStyle xmlns:cs="http://schemas.microsoft.com/office/drawing/2012/chartStyle" xmlns:a="http://schemas.openxmlformats.org/drawingml/2006/main" meth="cycle" id="12">
+  <a:schemeClr val="accent2"/>
+  <a:schemeClr val="accent4"/>
+  <a:schemeClr val="accent6"/>
+  <cs:variation/>
+  <cs:variation>
+    <a:lumMod val="60000"/>
+  </cs:variation>
+  <cs:variation>
+    <a:lumMod val="80000"/>
+    <a:lumOff val="20000"/>
+  </cs:variation>
+  <cs:variation>
+    <a:lumMod val="80000"/>
+  </cs:variation>
+  <cs:variation>
+    <a:lumMod val="60000"/>
+    <a:lumOff val="40000"/>
+  </cs:variation>
+  <cs:variation>
+    <a:lumMod val="50000"/>
+  </cs:variation>
+  <cs:variation>
+    <a:lumMod val="70000"/>
+    <a:lumOff val="30000"/>
+  </cs:variation>
+  <cs:variation>
+    <a:lumMod val="70000"/>
+  </cs:variation>
+  <cs:variation>
+    <a:lumMod val="50000"/>
+    <a:lumOff val="50000"/>
+  </cs:variation>
+</cs:colorStyle>
+</file>
+
+<file path=ppt/charts/colors2.xml><?xml version="1.0" encoding="utf-8"?>
+<cs:colorStyle xmlns:cs="http://schemas.microsoft.com/office/drawing/2012/chartStyle" xmlns:a="http://schemas.openxmlformats.org/drawingml/2006/main" meth="cycle" id="13">
+  <a:schemeClr val="accent6"/>
+  <a:schemeClr val="accent5"/>
+  <a:schemeClr val="accent4"/>
+  <cs:variation/>
+  <cs:variation>
+    <a:lumMod val="60000"/>
+  </cs:variation>
+  <cs:variation>
+    <a:lumMod val="80000"/>
+    <a:lumOff val="20000"/>
+  </cs:variation>
+  <cs:variation>
+    <a:lumMod val="80000"/>
+  </cs:variation>
+  <cs:variation>
+    <a:lumMod val="60000"/>
+    <a:lumOff val="40000"/>
+  </cs:variation>
+  <cs:variation>
+    <a:lumMod val="50000"/>
+  </cs:variation>
+  <cs:variation>
+    <a:lumMod val="70000"/>
+    <a:lumOff val="30000"/>
+  </cs:variation>
+  <cs:variation>
+    <a:lumMod val="70000"/>
+  </cs:variation>
+  <cs:variation>
+    <a:lumMod val="50000"/>
+    <a:lumOff val="50000"/>
+  </cs:variation>
+</cs:colorStyle>
+</file>
+
+<file path=ppt/charts/colors3.xml><?xml version="1.0" encoding="utf-8"?>
+<cs:colorStyle xmlns:cs="http://schemas.microsoft.com/office/drawing/2012/chartStyle" xmlns:a="http://schemas.openxmlformats.org/drawingml/2006/main" meth="cycle" id="10">
+  <a:schemeClr val="accent1"/>
+  <a:schemeClr val="accent2"/>
+  <a:schemeClr val="accent3"/>
+  <a:schemeClr val="accent4"/>
+  <a:schemeClr val="accent5"/>
+  <a:schemeClr val="accent6"/>
+  <cs:variation/>
+  <cs:variation>
+    <a:lumMod val="60000"/>
+  </cs:variation>
+  <cs:variation>
+    <a:lumMod val="80000"/>
+    <a:lumOff val="20000"/>
+  </cs:variation>
+  <cs:variation>
+    <a:lumMod val="80000"/>
+  </cs:variation>
+  <cs:variation>
+    <a:lumMod val="60000"/>
+    <a:lumOff val="40000"/>
+  </cs:variation>
+  <cs:variation>
+    <a:lumMod val="50000"/>
+  </cs:variation>
+  <cs:variation>
+    <a:lumMod val="70000"/>
+    <a:lumOff val="30000"/>
+  </cs:variation>
+  <cs:variation>
+    <a:lumMod val="70000"/>
+  </cs:variation>
+  <cs:variation>
+    <a:lumMod val="50000"/>
+    <a:lumOff val="50000"/>
+  </cs:variation>
+</cs:colorStyle>
+</file>
+
+<file path=ppt/charts/style1.xml><?xml version="1.0" encoding="utf-8"?>
+<cs:chartStyle xmlns:cs="http://schemas.microsoft.com/office/drawing/2012/chartStyle" xmlns:a="http://schemas.openxmlformats.org/drawingml/2006/main" id="216">
+  <cs:axisTitle>
+    <cs:lnRef idx="0"/>
+    <cs:fillRef idx="0"/>
+    <cs:effectRef idx="0"/>
+    <cs:fontRef idx="minor">
+      <a:schemeClr val="tx1">
+        <a:lumMod val="65000"/>
+        <a:lumOff val="35000"/>
+      </a:schemeClr>
+    </cs:fontRef>
+    <cs:defRPr sz="1000" kern="1200"/>
+  </cs:axisTitle>
+  <cs:categoryAxis>
+    <cs:lnRef idx="0"/>
+    <cs:fillRef idx="0"/>
+    <cs:effectRef idx="0"/>
+    <cs:fontRef idx="minor">
+      <a:schemeClr val="tx1">
+        <a:lumMod val="65000"/>
+        <a:lumOff val="35000"/>
+      </a:schemeClr>
+    </cs:fontRef>
+    <cs:spPr>
+      <a:ln w="9525" cap="flat" cmpd="sng" algn="ctr">
+        <a:solidFill>
+          <a:schemeClr val="tx1">
+            <a:lumMod val="15000"/>
+            <a:lumOff val="85000"/>
+          </a:schemeClr>
+        </a:solidFill>
+        <a:round/>
+      </a:ln>
+    </cs:spPr>
+    <cs:defRPr sz="900" kern="1200"/>
+  </cs:categoryAxis>
+  <cs:chartArea mods="allowNoFillOverride allowNoLineOverride">
+    <cs:lnRef idx="0"/>
+    <cs:fillRef idx="0"/>
+    <cs:effectRef idx="0"/>
+    <cs:fontRef idx="minor">
+      <a:schemeClr val="tx1"/>
+    </cs:fontRef>
+    <cs:spPr>
+      <a:solidFill>
+        <a:schemeClr val="bg1"/>
+      </a:solidFill>
+      <a:ln w="9525" cap="flat" cmpd="sng" algn="ctr">
+        <a:solidFill>
+          <a:schemeClr val="tx1">
+            <a:lumMod val="15000"/>
+            <a:lumOff val="85000"/>
+          </a:schemeClr>
+        </a:solidFill>
+        <a:round/>
+      </a:ln>
+    </cs:spPr>
+    <cs:defRPr sz="1000" kern="1200"/>
+  </cs:chartArea>
+  <cs:dataLabel>
+    <cs:lnRef idx="0"/>
+    <cs:fillRef idx="0"/>
+    <cs:effectRef idx="0"/>
+    <cs:fontRef idx="minor">
+      <a:schemeClr val="tx1">
+        <a:lumMod val="75000"/>
+        <a:lumOff val="25000"/>
+      </a:schemeClr>
+    </cs:fontRef>
+    <cs:defRPr sz="900" kern="1200"/>
+  </cs:dataLabel>
+  <cs:dataLabelCallout>
+    <cs:lnRef idx="0"/>
+    <cs:fillRef idx="0"/>
+    <cs:effectRef idx="0"/>
+    <cs:fontRef idx="minor">
+      <a:schemeClr val="dk1">
+        <a:lumMod val="65000"/>
+        <a:lumOff val="35000"/>
+      </a:schemeClr>
+    </cs:fontRef>
+    <cs:spPr>
+      <a:solidFill>
+        <a:schemeClr val="lt1"/>
+      </a:solidFill>
+      <a:ln>
+        <a:solidFill>
+          <a:schemeClr val="dk1">
+            <a:lumMod val="25000"/>
+            <a:lumOff val="75000"/>
+          </a:schemeClr>
+        </a:solidFill>
+      </a:ln>
+    </cs:spPr>
+    <cs:defRPr sz="900" kern="1200"/>
+    <cs:bodyPr rot="0" spcFirstLastPara="1" vertOverflow="clip" horzOverflow="clip" vert="horz" wrap="square" lIns="36576" tIns="18288" rIns="36576" bIns="18288" anchor="ctr" anchorCtr="1">
+      <a:spAutoFit/>
+    </cs:bodyPr>
+  </cs:dataLabelCallout>
+  <cs:dataPoint>
+    <cs:lnRef idx="0"/>
+    <cs:fillRef idx="1">
+      <cs:styleClr val="auto"/>
+    </cs:fillRef>
+    <cs:effectRef idx="0"/>
+    <cs:fontRef idx="minor">
+      <a:schemeClr val="tx1"/>
+    </cs:fontRef>
+  </cs:dataPoint>
+  <cs:dataPoint3D>
+    <cs:lnRef idx="0"/>
+    <cs:fillRef idx="1">
+      <cs:styleClr val="auto"/>
+    </cs:fillRef>
+    <cs:effectRef idx="0"/>
+    <cs:fontRef idx="minor">
+      <a:schemeClr val="tx1"/>
+    </cs:fontRef>
+  </cs:dataPoint3D>
+  <cs:dataPointLine>
+    <cs:lnRef idx="0">
+      <cs:styleClr val="auto"/>
+    </cs:lnRef>
+    <cs:fillRef idx="1"/>
+    <cs:effectRef idx="0"/>
+    <cs:fontRef idx="minor">
+      <a:schemeClr val="tx1"/>
+    </cs:fontRef>
+    <cs:spPr>
+      <a:ln w="28575" cap="rnd">
+        <a:solidFill>
+          <a:schemeClr val="phClr"/>
+        </a:solidFill>
+        <a:round/>
+      </a:ln>
+    </cs:spPr>
+  </cs:dataPointLine>
+  <cs:dataPointMarker>
+    <cs:lnRef idx="0">
+      <cs:styleClr val="auto"/>
+    </cs:lnRef>
+    <cs:fillRef idx="1">
+      <cs:styleClr val="auto"/>
+    </cs:fillRef>
+    <cs:effectRef idx="0"/>
+    <cs:fontRef idx="minor">
+      <a:schemeClr val="tx1"/>
+    </cs:fontRef>
+    <cs:spPr>
+      <a:ln w="9525">
+        <a:solidFill>
+          <a:schemeClr val="phClr"/>
+        </a:solidFill>
+      </a:ln>
+    </cs:spPr>
+  </cs:dataPointMarker>
+  <cs:dataPointMarkerLayout symbol="circle" size="5"/>
+  <cs:dataPointWireframe>
+    <cs:lnRef idx="0">
+      <cs:styleClr val="auto"/>
+    </cs:lnRef>
+    <cs:fillRef idx="1"/>
+    <cs:effectRef idx="0"/>
+    <cs:fontRef idx="minor">
+      <a:schemeClr val="tx1"/>
+    </cs:fontRef>
+    <cs:spPr>
+      <a:ln w="9525" cap="rnd">
+        <a:solidFill>
+          <a:schemeClr val="phClr"/>
+        </a:solidFill>
+        <a:round/>
+      </a:ln>
+    </cs:spPr>
+  </cs:dataPointWireframe>
+  <cs:dataTable>
+    <cs:lnRef idx="0"/>
+    <cs:fillRef idx="0"/>
+    <cs:effectRef idx="0"/>
+    <cs:fontRef idx="minor">
+      <a:schemeClr val="tx1">
+        <a:lumMod val="65000"/>
+        <a:lumOff val="35000"/>
+      </a:schemeClr>
+    </cs:fontRef>
+    <cs:spPr>
+      <a:noFill/>
+      <a:ln w="9525" cap="flat" cmpd="sng" algn="ctr">
+        <a:solidFill>
+          <a:schemeClr val="tx1">
+            <a:lumMod val="15000"/>
+            <a:lumOff val="85000"/>
+          </a:schemeClr>
+        </a:solidFill>
+        <a:round/>
+      </a:ln>
+    </cs:spPr>
+    <cs:defRPr sz="900" kern="1200"/>
+  </cs:dataTable>
+  <cs:downBar>
+    <cs:lnRef idx="0"/>
+    <cs:fillRef idx="0"/>
+    <cs:effectRef idx="0"/>
+    <cs:fontRef idx="minor">
+      <a:schemeClr val="tx1"/>
+    </cs:fontRef>
+    <cs:spPr>
+      <a:solidFill>
+        <a:schemeClr val="dk1">
+          <a:lumMod val="75000"/>
+          <a:lumOff val="25000"/>
+        </a:schemeClr>
+      </a:solidFill>
+      <a:ln w="9525" cap="flat" cmpd="sng" algn="ctr">
+        <a:solidFill>
+          <a:schemeClr val="tx1">
+            <a:lumMod val="65000"/>
+            <a:lumOff val="35000"/>
+          </a:schemeClr>
+        </a:solidFill>
+        <a:round/>
+      </a:ln>
+    </cs:spPr>
+  </cs:downBar>
+  <cs:dropLine>
+    <cs:lnRef idx="0"/>
+    <cs:fillRef idx="0"/>
+    <cs:effectRef idx="0"/>
+    <cs:fontRef idx="minor">
+      <a:schemeClr val="tx1"/>
+    </cs:fontRef>
+    <cs:spPr>
+      <a:ln w="9525" cap="flat" cmpd="sng" algn="ctr">
+        <a:solidFill>
+          <a:schemeClr val="tx1">
+            <a:lumMod val="35000"/>
+            <a:lumOff val="65000"/>
+          </a:schemeClr>
+        </a:solidFill>
+        <a:round/>
+      </a:ln>
+    </cs:spPr>
+  </cs:dropLine>
+  <cs:errorBar>
+    <cs:lnRef idx="0"/>
+    <cs:fillRef idx="0"/>
+    <cs:effectRef idx="0"/>
+    <cs:fontRef idx="minor">
+      <a:schemeClr val="tx1"/>
+    </cs:fontRef>
+    <cs:spPr>
+      <a:ln w="9525" cap="flat" cmpd="sng" algn="ctr">
+        <a:solidFill>
+          <a:schemeClr val="tx1">
+            <a:lumMod val="65000"/>
+            <a:lumOff val="35000"/>
+          </a:schemeClr>
+        </a:solidFill>
+        <a:round/>
+      </a:ln>
+    </cs:spPr>
+  </cs:errorBar>
+  <cs:floor>
+    <cs:lnRef idx="0"/>
+    <cs:fillRef idx="0"/>
+    <cs:effectRef idx="0"/>
+    <cs:fontRef idx="minor">
+      <a:schemeClr val="tx1"/>
+    </cs:fontRef>
+    <cs:spPr>
+      <a:noFill/>
+      <a:ln>
+        <a:noFill/>
+      </a:ln>
+    </cs:spPr>
+  </cs:floor>
+  <cs:gridlineMajor>
+    <cs:lnRef idx="0"/>
+    <cs:fillRef idx="0"/>
+    <cs:effectRef idx="0"/>
+    <cs:fontRef idx="minor">
+      <a:schemeClr val="tx1"/>
+    </cs:fontRef>
+    <cs:spPr>
+      <a:ln w="9525" cap="flat" cmpd="sng" algn="ctr">
+        <a:solidFill>
+          <a:schemeClr val="tx1">
+            <a:lumMod val="15000"/>
+            <a:lumOff val="85000"/>
+          </a:schemeClr>
+        </a:solidFill>
+        <a:round/>
+      </a:ln>
+    </cs:spPr>
+  </cs:gridlineMajor>
+  <cs:gridlineMinor>
+    <cs:lnRef idx="0"/>
+    <cs:fillRef idx="0"/>
+    <cs:effectRef idx="0"/>
+    <cs:fontRef idx="minor">
+      <a:schemeClr val="tx1"/>
+    </cs:fontRef>
+    <cs:spPr>
+      <a:ln w="9525" cap="flat" cmpd="sng" algn="ctr">
+        <a:solidFill>
+          <a:schemeClr val="tx1">
+            <a:lumMod val="5000"/>
+            <a:lumOff val="95000"/>
+          </a:schemeClr>
+        </a:solidFill>
+        <a:round/>
+      </a:ln>
+    </cs:spPr>
+  </cs:gridlineMinor>
+  <cs:hiLoLine>
+    <cs:lnRef idx="0"/>
+    <cs:fillRef idx="0"/>
+    <cs:effectRef idx="0"/>
+    <cs:fontRef idx="minor">
+      <a:schemeClr val="tx1"/>
+    </cs:fontRef>
+    <cs:spPr>
+      <a:ln w="9525" cap="flat" cmpd="sng" algn="ctr">
+        <a:solidFill>
+          <a:schemeClr val="tx1">
+            <a:lumMod val="50000"/>
+            <a:lumOff val="50000"/>
+          </a:schemeClr>
+        </a:solidFill>
+        <a:round/>
+      </a:ln>
+    </cs:spPr>
+  </cs:hiLoLine>
+  <cs:leaderLine>
+    <cs:lnRef idx="0"/>
+    <cs:fillRef idx="0"/>
+    <cs:effectRef idx="0"/>
+    <cs:fontRef idx="minor">
+      <a:schemeClr val="tx1"/>
+    </cs:fontRef>
+    <cs:spPr>
+      <a:ln w="9525" cap="flat" cmpd="sng" algn="ctr">
+        <a:solidFill>
+          <a:schemeClr val="tx1">
+            <a:lumMod val="35000"/>
+            <a:lumOff val="65000"/>
+          </a:schemeClr>
+        </a:solidFill>
+        <a:round/>
+      </a:ln>
+    </cs:spPr>
+  </cs:leaderLine>
+  <cs:legend>
+    <cs:lnRef idx="0"/>
+    <cs:fillRef idx="0"/>
+    <cs:effectRef idx="0"/>
+    <cs:fontRef idx="minor">
+      <a:schemeClr val="tx1">
+        <a:lumMod val="65000"/>
+        <a:lumOff val="35000"/>
+      </a:schemeClr>
+    </cs:fontRef>
+    <cs:defRPr sz="900" kern="1200"/>
+  </cs:legend>
+  <cs:plotArea mods="allowNoFillOverride allowNoLineOverride">
+    <cs:lnRef idx="0"/>
+    <cs:fillRef idx="0"/>
+    <cs:effectRef idx="0"/>
+    <cs:fontRef idx="minor">
+      <a:schemeClr val="tx1"/>
+    </cs:fontRef>
+  </cs:plotArea>
+  <cs:plotArea3D mods="allowNoFillOverride allowNoLineOverride">
+    <cs:lnRef idx="0"/>
+    <cs:fillRef idx="0"/>
+    <cs:effectRef idx="0"/>
+    <cs:fontRef idx="minor">
+      <a:schemeClr val="tx1"/>
+    </cs:fontRef>
+  </cs:plotArea3D>
+  <cs:seriesAxis>
+    <cs:lnRef idx="0"/>
+    <cs:fillRef idx="0"/>
+    <cs:effectRef idx="0"/>
+    <cs:fontRef idx="minor">
+      <a:schemeClr val="tx1">
+        <a:lumMod val="65000"/>
+        <a:lumOff val="35000"/>
+      </a:schemeClr>
+    </cs:fontRef>
+    <cs:defRPr sz="900" kern="1200"/>
+  </cs:seriesAxis>
+  <cs:seriesLine>
+    <cs:lnRef idx="0"/>
+    <cs:fillRef idx="0"/>
+    <cs:effectRef idx="0"/>
+    <cs:fontRef idx="minor">
+      <a:schemeClr val="tx1"/>
+    </cs:fontRef>
+    <cs:spPr>
+      <a:ln w="9525" cap="flat" cmpd="sng" algn="ctr">
+        <a:solidFill>
+          <a:schemeClr val="tx1">
+            <a:lumMod val="35000"/>
+            <a:lumOff val="65000"/>
+          </a:schemeClr>
+        </a:solidFill>
+        <a:round/>
+      </a:ln>
+    </cs:spPr>
+  </cs:seriesLine>
+  <cs:title>
+    <cs:lnRef idx="0"/>
+    <cs:fillRef idx="0"/>
+    <cs:effectRef idx="0"/>
+    <cs:fontRef idx="minor">
+      <a:schemeClr val="tx1">
+        <a:lumMod val="65000"/>
+        <a:lumOff val="35000"/>
+      </a:schemeClr>
+    </cs:fontRef>
+    <cs:defRPr sz="1400" b="0" kern="1200" spc="0" baseline="0"/>
+  </cs:title>
+  <cs:trendline>
+    <cs:lnRef idx="0">
+      <cs:styleClr val="auto"/>
+    </cs:lnRef>
+    <cs:fillRef idx="0"/>
+    <cs:effectRef idx="0"/>
+    <cs:fontRef idx="minor">
+      <a:schemeClr val="tx1"/>
+    </cs:fontRef>
+    <cs:spPr>
+      <a:ln w="19050" cap="rnd">
+        <a:solidFill>
+          <a:schemeClr val="phClr"/>
+        </a:solidFill>
+        <a:prstDash val="sysDot"/>
+      </a:ln>
+    </cs:spPr>
+  </cs:trendline>
+  <cs:trendlineLabel>
+    <cs:lnRef idx="0"/>
+    <cs:fillRef idx="0"/>
+    <cs:effectRef idx="0"/>
+    <cs:fontRef idx="minor">
+      <a:schemeClr val="tx1">
+        <a:lumMod val="65000"/>
+        <a:lumOff val="35000"/>
+      </a:schemeClr>
+    </cs:fontRef>
+    <cs:defRPr sz="900" kern="1200"/>
+  </cs:trendlineLabel>
+  <cs:upBar>
+    <cs:lnRef idx="0"/>
+    <cs:fillRef idx="0"/>
+    <cs:effectRef idx="0"/>
+    <cs:fontRef idx="minor">
+      <a:schemeClr val="tx1"/>
+    </cs:fontRef>
+    <cs:spPr>
+      <a:solidFill>
+        <a:schemeClr val="lt1"/>
+      </a:solidFill>
+      <a:ln w="9525" cap="flat" cmpd="sng" algn="ctr">
+        <a:solidFill>
+          <a:schemeClr val="tx1">
+            <a:lumMod val="65000"/>
+            <a:lumOff val="35000"/>
+          </a:schemeClr>
+        </a:solidFill>
+        <a:round/>
+      </a:ln>
+    </cs:spPr>
+  </cs:upBar>
+  <cs:valueAxis>
+    <cs:lnRef idx="0"/>
+    <cs:fillRef idx="0"/>
+    <cs:effectRef idx="0"/>
+    <cs:fontRef idx="minor">
+      <a:schemeClr val="tx1">
+        <a:lumMod val="65000"/>
+        <a:lumOff val="35000"/>
+      </a:schemeClr>
+    </cs:fontRef>
+    <cs:defRPr sz="900" kern="1200"/>
+  </cs:valueAxis>
+  <cs:wall>
+    <cs:lnRef idx="0"/>
+    <cs:fillRef idx="0"/>
+    <cs:effectRef idx="0"/>
+    <cs:fontRef idx="minor">
+      <a:schemeClr val="tx1"/>
+    </cs:fontRef>
+    <cs:spPr>
+      <a:noFill/>
+      <a:ln>
+        <a:noFill/>
+      </a:ln>
+    </cs:spPr>
+  </cs:wall>
+</cs:chartStyle>
+</file>
+
+<file path=ppt/charts/style2.xml><?xml version="1.0" encoding="utf-8"?>
+<cs:chartStyle xmlns:cs="http://schemas.microsoft.com/office/drawing/2012/chartStyle" xmlns:a="http://schemas.openxmlformats.org/drawingml/2006/main" id="216">
+  <cs:axisTitle>
+    <cs:lnRef idx="0"/>
+    <cs:fillRef idx="0"/>
+    <cs:effectRef idx="0"/>
+    <cs:fontRef idx="minor">
+      <a:schemeClr val="tx1">
+        <a:lumMod val="65000"/>
+        <a:lumOff val="35000"/>
+      </a:schemeClr>
+    </cs:fontRef>
+    <cs:defRPr sz="1000" kern="1200"/>
+  </cs:axisTitle>
+  <cs:categoryAxis>
+    <cs:lnRef idx="0"/>
+    <cs:fillRef idx="0"/>
+    <cs:effectRef idx="0"/>
+    <cs:fontRef idx="minor">
+      <a:schemeClr val="tx1">
+        <a:lumMod val="65000"/>
+        <a:lumOff val="35000"/>
+      </a:schemeClr>
+    </cs:fontRef>
+    <cs:spPr>
+      <a:ln w="9525" cap="flat" cmpd="sng" algn="ctr">
+        <a:solidFill>
+          <a:schemeClr val="tx1">
+            <a:lumMod val="15000"/>
+            <a:lumOff val="85000"/>
+          </a:schemeClr>
+        </a:solidFill>
+        <a:round/>
+      </a:ln>
+    </cs:spPr>
+    <cs:defRPr sz="900" kern="1200"/>
+  </cs:categoryAxis>
+  <cs:chartArea mods="allowNoFillOverride allowNoLineOverride">
+    <cs:lnRef idx="0"/>
+    <cs:fillRef idx="0"/>
+    <cs:effectRef idx="0"/>
+    <cs:fontRef idx="minor">
+      <a:schemeClr val="tx1"/>
+    </cs:fontRef>
+    <cs:spPr>
+      <a:solidFill>
+        <a:schemeClr val="bg1"/>
+      </a:solidFill>
+      <a:ln w="9525" cap="flat" cmpd="sng" algn="ctr">
+        <a:solidFill>
+          <a:schemeClr val="tx1">
+            <a:lumMod val="15000"/>
+            <a:lumOff val="85000"/>
+          </a:schemeClr>
+        </a:solidFill>
+        <a:round/>
+      </a:ln>
+    </cs:spPr>
+    <cs:defRPr sz="1000" kern="1200"/>
+  </cs:chartArea>
+  <cs:dataLabel>
+    <cs:lnRef idx="0"/>
+    <cs:fillRef idx="0"/>
+    <cs:effectRef idx="0"/>
+    <cs:fontRef idx="minor">
+      <a:schemeClr val="tx1">
+        <a:lumMod val="75000"/>
+        <a:lumOff val="25000"/>
+      </a:schemeClr>
+    </cs:fontRef>
+    <cs:defRPr sz="900" kern="1200"/>
+  </cs:dataLabel>
+  <cs:dataLabelCallout>
+    <cs:lnRef idx="0"/>
+    <cs:fillRef idx="0"/>
+    <cs:effectRef idx="0"/>
+    <cs:fontRef idx="minor">
+      <a:schemeClr val="dk1">
+        <a:lumMod val="65000"/>
+        <a:lumOff val="35000"/>
+      </a:schemeClr>
+    </cs:fontRef>
+    <cs:spPr>
+      <a:solidFill>
+        <a:schemeClr val="lt1"/>
+      </a:solidFill>
+      <a:ln>
+        <a:solidFill>
+          <a:schemeClr val="dk1">
+            <a:lumMod val="25000"/>
+            <a:lumOff val="75000"/>
+          </a:schemeClr>
+        </a:solidFill>
+      </a:ln>
+    </cs:spPr>
+    <cs:defRPr sz="900" kern="1200"/>
+    <cs:bodyPr rot="0" spcFirstLastPara="1" vertOverflow="clip" horzOverflow="clip" vert="horz" wrap="square" lIns="36576" tIns="18288" rIns="36576" bIns="18288" anchor="ctr" anchorCtr="1">
+      <a:spAutoFit/>
+    </cs:bodyPr>
+  </cs:dataLabelCallout>
+  <cs:dataPoint>
+    <cs:lnRef idx="0"/>
+    <cs:fillRef idx="1">
+      <cs:styleClr val="auto"/>
+    </cs:fillRef>
+    <cs:effectRef idx="0"/>
+    <cs:fontRef idx="minor">
+      <a:schemeClr val="tx1"/>
+    </cs:fontRef>
+  </cs:dataPoint>
+  <cs:dataPoint3D>
+    <cs:lnRef idx="0"/>
+    <cs:fillRef idx="1">
+      <cs:styleClr val="auto"/>
+    </cs:fillRef>
+    <cs:effectRef idx="0"/>
+    <cs:fontRef idx="minor">
+      <a:schemeClr val="tx1"/>
+    </cs:fontRef>
+  </cs:dataPoint3D>
+  <cs:dataPointLine>
+    <cs:lnRef idx="0">
+      <cs:styleClr val="auto"/>
+    </cs:lnRef>
+    <cs:fillRef idx="1"/>
+    <cs:effectRef idx="0"/>
+    <cs:fontRef idx="minor">
+      <a:schemeClr val="tx1"/>
+    </cs:fontRef>
+    <cs:spPr>
+      <a:ln w="28575" cap="rnd">
+        <a:solidFill>
+          <a:schemeClr val="phClr"/>
+        </a:solidFill>
+        <a:round/>
+      </a:ln>
+    </cs:spPr>
+  </cs:dataPointLine>
+  <cs:dataPointMarker>
+    <cs:lnRef idx="0">
+      <cs:styleClr val="auto"/>
+    </cs:lnRef>
+    <cs:fillRef idx="1">
+      <cs:styleClr val="auto"/>
+    </cs:fillRef>
+    <cs:effectRef idx="0"/>
+    <cs:fontRef idx="minor">
+      <a:schemeClr val="tx1"/>
+    </cs:fontRef>
+    <cs:spPr>
+      <a:ln w="9525">
+        <a:solidFill>
+          <a:schemeClr val="phClr"/>
+        </a:solidFill>
+      </a:ln>
+    </cs:spPr>
+  </cs:dataPointMarker>
+  <cs:dataPointMarkerLayout symbol="circle" size="5"/>
+  <cs:dataPointWireframe>
+    <cs:lnRef idx="0">
+      <cs:styleClr val="auto"/>
+    </cs:lnRef>
+    <cs:fillRef idx="1"/>
+    <cs:effectRef idx="0"/>
+    <cs:fontRef idx="minor">
+      <a:schemeClr val="tx1"/>
+    </cs:fontRef>
+    <cs:spPr>
+      <a:ln w="9525" cap="rnd">
+        <a:solidFill>
+          <a:schemeClr val="phClr"/>
+        </a:solidFill>
+        <a:round/>
+      </a:ln>
+    </cs:spPr>
+  </cs:dataPointWireframe>
+  <cs:dataTable>
+    <cs:lnRef idx="0"/>
+    <cs:fillRef idx="0"/>
+    <cs:effectRef idx="0"/>
+    <cs:fontRef idx="minor">
+      <a:schemeClr val="tx1">
+        <a:lumMod val="65000"/>
+        <a:lumOff val="35000"/>
+      </a:schemeClr>
+    </cs:fontRef>
+    <cs:spPr>
+      <a:noFill/>
+      <a:ln w="9525" cap="flat" cmpd="sng" algn="ctr">
+        <a:solidFill>
+          <a:schemeClr val="tx1">
+            <a:lumMod val="15000"/>
+            <a:lumOff val="85000"/>
+          </a:schemeClr>
+        </a:solidFill>
+        <a:round/>
+      </a:ln>
+    </cs:spPr>
+    <cs:defRPr sz="900" kern="1200"/>
+  </cs:dataTable>
+  <cs:downBar>
+    <cs:lnRef idx="0"/>
+    <cs:fillRef idx="0"/>
+    <cs:effectRef idx="0"/>
+    <cs:fontRef idx="minor">
+      <a:schemeClr val="tx1"/>
+    </cs:fontRef>
+    <cs:spPr>
+      <a:solidFill>
+        <a:schemeClr val="dk1">
+          <a:lumMod val="75000"/>
+          <a:lumOff val="25000"/>
+        </a:schemeClr>
+      </a:solidFill>
+      <a:ln w="9525" cap="flat" cmpd="sng" algn="ctr">
+        <a:solidFill>
+          <a:schemeClr val="tx1">
+            <a:lumMod val="65000"/>
+            <a:lumOff val="35000"/>
+          </a:schemeClr>
+        </a:solidFill>
+        <a:round/>
+      </a:ln>
+    </cs:spPr>
+  </cs:downBar>
+  <cs:dropLine>
+    <cs:lnRef idx="0"/>
+    <cs:fillRef idx="0"/>
+    <cs:effectRef idx="0"/>
+    <cs:fontRef idx="minor">
+      <a:schemeClr val="tx1"/>
+    </cs:fontRef>
+    <cs:spPr>
+      <a:ln w="9525" cap="flat" cmpd="sng" algn="ctr">
+        <a:solidFill>
+          <a:schemeClr val="tx1">
+            <a:lumMod val="35000"/>
+            <a:lumOff val="65000"/>
+          </a:schemeClr>
+        </a:solidFill>
+        <a:round/>
+      </a:ln>
+    </cs:spPr>
+  </cs:dropLine>
+  <cs:errorBar>
+    <cs:lnRef idx="0"/>
+    <cs:fillRef idx="0"/>
+    <cs:effectRef idx="0"/>
+    <cs:fontRef idx="minor">
+      <a:schemeClr val="tx1"/>
+    </cs:fontRef>
+    <cs:spPr>
+      <a:ln w="9525" cap="flat" cmpd="sng" algn="ctr">
+        <a:solidFill>
+          <a:schemeClr val="tx1">
+            <a:lumMod val="65000"/>
+            <a:lumOff val="35000"/>
+          </a:schemeClr>
+        </a:solidFill>
+        <a:round/>
+      </a:ln>
+    </cs:spPr>
+  </cs:errorBar>
+  <cs:floor>
+    <cs:lnRef idx="0"/>
+    <cs:fillRef idx="0"/>
+    <cs:effectRef idx="0"/>
+    <cs:fontRef idx="minor">
+      <a:schemeClr val="tx1"/>
+    </cs:fontRef>
+    <cs:spPr>
+      <a:noFill/>
+      <a:ln>
+        <a:noFill/>
+      </a:ln>
+    </cs:spPr>
+  </cs:floor>
+  <cs:gridlineMajor>
+    <cs:lnRef idx="0"/>
+    <cs:fillRef idx="0"/>
+    <cs:effectRef idx="0"/>
+    <cs:fontRef idx="minor">
+      <a:schemeClr val="tx1"/>
+    </cs:fontRef>
+    <cs:spPr>
+      <a:ln w="9525" cap="flat" cmpd="sng" algn="ctr">
+        <a:solidFill>
+          <a:schemeClr val="tx1">
+            <a:lumMod val="15000"/>
+            <a:lumOff val="85000"/>
+          </a:schemeClr>
+        </a:solidFill>
+        <a:round/>
+      </a:ln>
+    </cs:spPr>
+  </cs:gridlineMajor>
+  <cs:gridlineMinor>
+    <cs:lnRef idx="0"/>
+    <cs:fillRef idx="0"/>
+    <cs:effectRef idx="0"/>
+    <cs:fontRef idx="minor">
+      <a:schemeClr val="tx1"/>
+    </cs:fontRef>
+    <cs:spPr>
+      <a:ln w="9525" cap="flat" cmpd="sng" algn="ctr">
+        <a:solidFill>
+          <a:schemeClr val="tx1">
+            <a:lumMod val="5000"/>
+            <a:lumOff val="95000"/>
+          </a:schemeClr>
+        </a:solidFill>
+        <a:round/>
+      </a:ln>
+    </cs:spPr>
+  </cs:gridlineMinor>
+  <cs:hiLoLine>
+    <cs:lnRef idx="0"/>
+    <cs:fillRef idx="0"/>
+    <cs:effectRef idx="0"/>
+    <cs:fontRef idx="minor">
+      <a:schemeClr val="tx1"/>
+    </cs:fontRef>
+    <cs:spPr>
+      <a:ln w="9525" cap="flat" cmpd="sng" algn="ctr">
+        <a:solidFill>
+          <a:schemeClr val="tx1">
+            <a:lumMod val="50000"/>
+            <a:lumOff val="50000"/>
+          </a:schemeClr>
+        </a:solidFill>
+        <a:round/>
+      </a:ln>
+    </cs:spPr>
+  </cs:hiLoLine>
+  <cs:leaderLine>
+    <cs:lnRef idx="0"/>
+    <cs:fillRef idx="0"/>
+    <cs:effectRef idx="0"/>
+    <cs:fontRef idx="minor">
+      <a:schemeClr val="tx1"/>
+    </cs:fontRef>
+    <cs:spPr>
+      <a:ln w="9525" cap="flat" cmpd="sng" algn="ctr">
+        <a:solidFill>
+          <a:schemeClr val="tx1">
+            <a:lumMod val="35000"/>
+            <a:lumOff val="65000"/>
+          </a:schemeClr>
+        </a:solidFill>
+        <a:round/>
+      </a:ln>
+    </cs:spPr>
+  </cs:leaderLine>
+  <cs:legend>
+    <cs:lnRef idx="0"/>
+    <cs:fillRef idx="0"/>
+    <cs:effectRef idx="0"/>
+    <cs:fontRef idx="minor">
+      <a:schemeClr val="tx1">
+        <a:lumMod val="65000"/>
+        <a:lumOff val="35000"/>
+      </a:schemeClr>
+    </cs:fontRef>
+    <cs:defRPr sz="900" kern="1200"/>
+  </cs:legend>
+  <cs:plotArea mods="allowNoFillOverride allowNoLineOverride">
+    <cs:lnRef idx="0"/>
+    <cs:fillRef idx="0"/>
+    <cs:effectRef idx="0"/>
+    <cs:fontRef idx="minor">
+      <a:schemeClr val="tx1"/>
+    </cs:fontRef>
+  </cs:plotArea>
+  <cs:plotArea3D mods="allowNoFillOverride allowNoLineOverride">
+    <cs:lnRef idx="0"/>
+    <cs:fillRef idx="0"/>
+    <cs:effectRef idx="0"/>
+    <cs:fontRef idx="minor">
+      <a:schemeClr val="tx1"/>
+    </cs:fontRef>
+  </cs:plotArea3D>
+  <cs:seriesAxis>
+    <cs:lnRef idx="0"/>
+    <cs:fillRef idx="0"/>
+    <cs:effectRef idx="0"/>
+    <cs:fontRef idx="minor">
+      <a:schemeClr val="tx1">
+        <a:lumMod val="65000"/>
+        <a:lumOff val="35000"/>
+      </a:schemeClr>
+    </cs:fontRef>
+    <cs:defRPr sz="900" kern="1200"/>
+  </cs:seriesAxis>
+  <cs:seriesLine>
+    <cs:lnRef idx="0"/>
+    <cs:fillRef idx="0"/>
+    <cs:effectRef idx="0"/>
+    <cs:fontRef idx="minor">
+      <a:schemeClr val="tx1"/>
+    </cs:fontRef>
+    <cs:spPr>
+      <a:ln w="9525" cap="flat" cmpd="sng" algn="ctr">
+        <a:solidFill>
+          <a:schemeClr val="tx1">
+            <a:lumMod val="35000"/>
+            <a:lumOff val="65000"/>
+          </a:schemeClr>
+        </a:solidFill>
+        <a:round/>
+      </a:ln>
+    </cs:spPr>
+  </cs:seriesLine>
+  <cs:title>
+    <cs:lnRef idx="0"/>
+    <cs:fillRef idx="0"/>
+    <cs:effectRef idx="0"/>
+    <cs:fontRef idx="minor">
+      <a:schemeClr val="tx1">
+        <a:lumMod val="65000"/>
+        <a:lumOff val="35000"/>
+      </a:schemeClr>
+    </cs:fontRef>
+    <cs:defRPr sz="1400" b="0" kern="1200" spc="0" baseline="0"/>
+  </cs:title>
+  <cs:trendline>
+    <cs:lnRef idx="0">
+      <cs:styleClr val="auto"/>
+    </cs:lnRef>
+    <cs:fillRef idx="0"/>
+    <cs:effectRef idx="0"/>
+    <cs:fontRef idx="minor">
+      <a:schemeClr val="tx1"/>
+    </cs:fontRef>
+    <cs:spPr>
+      <a:ln w="19050" cap="rnd">
+        <a:solidFill>
+          <a:schemeClr val="phClr"/>
+        </a:solidFill>
+        <a:prstDash val="sysDot"/>
+      </a:ln>
+    </cs:spPr>
+  </cs:trendline>
+  <cs:trendlineLabel>
+    <cs:lnRef idx="0"/>
+    <cs:fillRef idx="0"/>
+    <cs:effectRef idx="0"/>
+    <cs:fontRef idx="minor">
+      <a:schemeClr val="tx1">
+        <a:lumMod val="65000"/>
+        <a:lumOff val="35000"/>
+      </a:schemeClr>
+    </cs:fontRef>
+    <cs:defRPr sz="900" kern="1200"/>
+  </cs:trendlineLabel>
+  <cs:upBar>
+    <cs:lnRef idx="0"/>
+    <cs:fillRef idx="0"/>
+    <cs:effectRef idx="0"/>
+    <cs:fontRef idx="minor">
+      <a:schemeClr val="tx1"/>
+    </cs:fontRef>
+    <cs:spPr>
+      <a:solidFill>
+        <a:schemeClr val="lt1"/>
+      </a:solidFill>
+      <a:ln w="9525" cap="flat" cmpd="sng" algn="ctr">
+        <a:solidFill>
+          <a:schemeClr val="tx1">
+            <a:lumMod val="65000"/>
+            <a:lumOff val="35000"/>
+          </a:schemeClr>
+        </a:solidFill>
+        <a:round/>
+      </a:ln>
+    </cs:spPr>
+  </cs:upBar>
+  <cs:valueAxis>
+    <cs:lnRef idx="0"/>
+    <cs:fillRef idx="0"/>
+    <cs:effectRef idx="0"/>
+    <cs:fontRef idx="minor">
+      <a:schemeClr val="tx1">
+        <a:lumMod val="65000"/>
+        <a:lumOff val="35000"/>
+      </a:schemeClr>
+    </cs:fontRef>
+    <cs:defRPr sz="900" kern="1200"/>
+  </cs:valueAxis>
+  <cs:wall>
+    <cs:lnRef idx="0"/>
+    <cs:fillRef idx="0"/>
+    <cs:effectRef idx="0"/>
+    <cs:fontRef idx="minor">
+      <a:schemeClr val="tx1"/>
+    </cs:fontRef>
+    <cs:spPr>
+      <a:noFill/>
+      <a:ln>
+        <a:noFill/>
+      </a:ln>
+    </cs:spPr>
+  </cs:wall>
+</cs:chartStyle>
+</file>
+
+<file path=ppt/charts/style3.xml><?xml version="1.0" encoding="utf-8"?>
+<cs:chartStyle xmlns:cs="http://schemas.microsoft.com/office/drawing/2012/chartStyle" xmlns:a="http://schemas.openxmlformats.org/drawingml/2006/main" id="216">
+  <cs:axisTitle>
+    <cs:lnRef idx="0"/>
+    <cs:fillRef idx="0"/>
+    <cs:effectRef idx="0"/>
+    <cs:fontRef idx="minor">
+      <a:schemeClr val="tx1">
+        <a:lumMod val="65000"/>
+        <a:lumOff val="35000"/>
+      </a:schemeClr>
+    </cs:fontRef>
+    <cs:defRPr sz="1000" kern="1200"/>
+  </cs:axisTitle>
+  <cs:categoryAxis>
+    <cs:lnRef idx="0"/>
+    <cs:fillRef idx="0"/>
+    <cs:effectRef idx="0"/>
+    <cs:fontRef idx="minor">
+      <a:schemeClr val="tx1">
+        <a:lumMod val="65000"/>
+        <a:lumOff val="35000"/>
+      </a:schemeClr>
+    </cs:fontRef>
+    <cs:spPr>
+      <a:ln w="9525" cap="flat" cmpd="sng" algn="ctr">
+        <a:solidFill>
+          <a:schemeClr val="tx1">
+            <a:lumMod val="15000"/>
+            <a:lumOff val="85000"/>
+          </a:schemeClr>
+        </a:solidFill>
+        <a:round/>
+      </a:ln>
+    </cs:spPr>
+    <cs:defRPr sz="900" kern="1200"/>
+  </cs:categoryAxis>
+  <cs:chartArea mods="allowNoFillOverride allowNoLineOverride">
+    <cs:lnRef idx="0"/>
+    <cs:fillRef idx="0"/>
+    <cs:effectRef idx="0"/>
+    <cs:fontRef idx="minor">
+      <a:schemeClr val="tx1"/>
+    </cs:fontRef>
+    <cs:spPr>
+      <a:solidFill>
+        <a:schemeClr val="bg1"/>
+      </a:solidFill>
+      <a:ln w="9525" cap="flat" cmpd="sng" algn="ctr">
+        <a:solidFill>
+          <a:schemeClr val="tx1">
+            <a:lumMod val="15000"/>
+            <a:lumOff val="85000"/>
+          </a:schemeClr>
+        </a:solidFill>
+        <a:round/>
+      </a:ln>
+    </cs:spPr>
+    <cs:defRPr sz="1000" kern="1200"/>
+  </cs:chartArea>
+  <cs:dataLabel>
+    <cs:lnRef idx="0"/>
+    <cs:fillRef idx="0"/>
+    <cs:effectRef idx="0"/>
+    <cs:fontRef idx="minor">
+      <a:schemeClr val="tx1">
+        <a:lumMod val="75000"/>
+        <a:lumOff val="25000"/>
+      </a:schemeClr>
+    </cs:fontRef>
+    <cs:defRPr sz="900" kern="1200"/>
+  </cs:dataLabel>
+  <cs:dataLabelCallout>
+    <cs:lnRef idx="0"/>
+    <cs:fillRef idx="0"/>
+    <cs:effectRef idx="0"/>
+    <cs:fontRef idx="minor">
+      <a:schemeClr val="dk1">
+        <a:lumMod val="65000"/>
+        <a:lumOff val="35000"/>
+      </a:schemeClr>
+    </cs:fontRef>
+    <cs:spPr>
+      <a:solidFill>
+        <a:schemeClr val="lt1"/>
+      </a:solidFill>
+      <a:ln>
+        <a:solidFill>
+          <a:schemeClr val="dk1">
+            <a:lumMod val="25000"/>
+            <a:lumOff val="75000"/>
+          </a:schemeClr>
+        </a:solidFill>
+      </a:ln>
+    </cs:spPr>
+    <cs:defRPr sz="900" kern="1200"/>
+    <cs:bodyPr rot="0" spcFirstLastPara="1" vertOverflow="clip" horzOverflow="clip" vert="horz" wrap="square" lIns="36576" tIns="18288" rIns="36576" bIns="18288" anchor="ctr" anchorCtr="1">
+      <a:spAutoFit/>
+    </cs:bodyPr>
+  </cs:dataLabelCallout>
+  <cs:dataPoint>
+    <cs:lnRef idx="0"/>
+    <cs:fillRef idx="1">
+      <cs:styleClr val="auto"/>
+    </cs:fillRef>
+    <cs:effectRef idx="0"/>
+    <cs:fontRef idx="minor">
+      <a:schemeClr val="tx1"/>
+    </cs:fontRef>
+  </cs:dataPoint>
+  <cs:dataPoint3D>
+    <cs:lnRef idx="0"/>
+    <cs:fillRef idx="1">
+      <cs:styleClr val="auto"/>
+    </cs:fillRef>
+    <cs:effectRef idx="0"/>
+    <cs:fontRef idx="minor">
+      <a:schemeClr val="tx1"/>
+    </cs:fontRef>
+  </cs:dataPoint3D>
+  <cs:dataPointLine>
+    <cs:lnRef idx="0">
+      <cs:styleClr val="auto"/>
+    </cs:lnRef>
+    <cs:fillRef idx="1"/>
+    <cs:effectRef idx="0"/>
+    <cs:fontRef idx="minor">
+      <a:schemeClr val="tx1"/>
+    </cs:fontRef>
+    <cs:spPr>
+      <a:ln w="28575" cap="rnd">
+        <a:solidFill>
+          <a:schemeClr val="phClr"/>
+        </a:solidFill>
+        <a:round/>
+      </a:ln>
+    </cs:spPr>
+  </cs:dataPointLine>
+  <cs:dataPointMarker>
+    <cs:lnRef idx="0">
+      <cs:styleClr val="auto"/>
+    </cs:lnRef>
+    <cs:fillRef idx="1">
+      <cs:styleClr val="auto"/>
+    </cs:fillRef>
+    <cs:effectRef idx="0"/>
+    <cs:fontRef idx="minor">
+      <a:schemeClr val="tx1"/>
+    </cs:fontRef>
+    <cs:spPr>
+      <a:ln w="9525">
+        <a:solidFill>
+          <a:schemeClr val="phClr"/>
+        </a:solidFill>
+      </a:ln>
+    </cs:spPr>
+  </cs:dataPointMarker>
+  <cs:dataPointMarkerLayout symbol="circle" size="5"/>
+  <cs:dataPointWireframe>
+    <cs:lnRef idx="0">
+      <cs:styleClr val="auto"/>
+    </cs:lnRef>
+    <cs:fillRef idx="1"/>
+    <cs:effectRef idx="0"/>
+    <cs:fontRef idx="minor">
+      <a:schemeClr val="tx1"/>
+    </cs:fontRef>
+    <cs:spPr>
+      <a:ln w="9525" cap="rnd">
+        <a:solidFill>
+          <a:schemeClr val="phClr"/>
+        </a:solidFill>
+        <a:round/>
+      </a:ln>
+    </cs:spPr>
+  </cs:dataPointWireframe>
+  <cs:dataTable>
+    <cs:lnRef idx="0"/>
+    <cs:fillRef idx="0"/>
+    <cs:effectRef idx="0"/>
+    <cs:fontRef idx="minor">
+      <a:schemeClr val="tx1">
+        <a:lumMod val="65000"/>
+        <a:lumOff val="35000"/>
+      </a:schemeClr>
+    </cs:fontRef>
+    <cs:spPr>
+      <a:noFill/>
+      <a:ln w="9525" cap="flat" cmpd="sng" algn="ctr">
+        <a:solidFill>
+          <a:schemeClr val="tx1">
+            <a:lumMod val="15000"/>
+            <a:lumOff val="85000"/>
+          </a:schemeClr>
+        </a:solidFill>
+        <a:round/>
+      </a:ln>
+    </cs:spPr>
+    <cs:defRPr sz="900" kern="1200"/>
+  </cs:dataTable>
+  <cs:downBar>
+    <cs:lnRef idx="0"/>
+    <cs:fillRef idx="0"/>
+    <cs:effectRef idx="0"/>
+    <cs:fontRef idx="minor">
+      <a:schemeClr val="tx1"/>
+    </cs:fontRef>
+    <cs:spPr>
+      <a:solidFill>
+        <a:schemeClr val="dk1">
+          <a:lumMod val="75000"/>
+          <a:lumOff val="25000"/>
+        </a:schemeClr>
+      </a:solidFill>
+      <a:ln w="9525" cap="flat" cmpd="sng" algn="ctr">
+        <a:solidFill>
+          <a:schemeClr val="tx1">
+            <a:lumMod val="65000"/>
+            <a:lumOff val="35000"/>
+          </a:schemeClr>
+        </a:solidFill>
+        <a:round/>
+      </a:ln>
+    </cs:spPr>
+  </cs:downBar>
+  <cs:dropLine>
+    <cs:lnRef idx="0"/>
+    <cs:fillRef idx="0"/>
+    <cs:effectRef idx="0"/>
+    <cs:fontRef idx="minor">
+      <a:schemeClr val="tx1"/>
+    </cs:fontRef>
+    <cs:spPr>
+      <a:ln w="9525" cap="flat" cmpd="sng" algn="ctr">
+        <a:solidFill>
+          <a:schemeClr val="tx1">
+            <a:lumMod val="35000"/>
+            <a:lumOff val="65000"/>
+          </a:schemeClr>
+        </a:solidFill>
+        <a:round/>
+      </a:ln>
+    </cs:spPr>
+  </cs:dropLine>
+  <cs:errorBar>
+    <cs:lnRef idx="0"/>
+    <cs:fillRef idx="0"/>
+    <cs:effectRef idx="0"/>
+    <cs:fontRef idx="minor">
+      <a:schemeClr val="tx1"/>
+    </cs:fontRef>
+    <cs:spPr>
+      <a:ln w="9525" cap="flat" cmpd="sng" algn="ctr">
+        <a:solidFill>
+          <a:schemeClr val="tx1">
+            <a:lumMod val="65000"/>
+            <a:lumOff val="35000"/>
+          </a:schemeClr>
+        </a:solidFill>
+        <a:round/>
+      </a:ln>
+    </cs:spPr>
+  </cs:errorBar>
+  <cs:floor>
+    <cs:lnRef idx="0"/>
+    <cs:fillRef idx="0"/>
+    <cs:effectRef idx="0"/>
+    <cs:fontRef idx="minor">
+      <a:schemeClr val="tx1"/>
+    </cs:fontRef>
+    <cs:spPr>
+      <a:noFill/>
+      <a:ln>
+        <a:noFill/>
+      </a:ln>
+    </cs:spPr>
+  </cs:floor>
+  <cs:gridlineMajor>
+    <cs:lnRef idx="0"/>
+    <cs:fillRef idx="0"/>
+    <cs:effectRef idx="0"/>
+    <cs:fontRef idx="minor">
+      <a:schemeClr val="tx1"/>
+    </cs:fontRef>
+    <cs:spPr>
+      <a:ln w="9525" cap="flat" cmpd="sng" algn="ctr">
+        <a:solidFill>
+          <a:schemeClr val="tx1">
+            <a:lumMod val="15000"/>
+            <a:lumOff val="85000"/>
+          </a:schemeClr>
+        </a:solidFill>
+        <a:round/>
+      </a:ln>
+    </cs:spPr>
+  </cs:gridlineMajor>
+  <cs:gridlineMinor>
+    <cs:lnRef idx="0"/>
+    <cs:fillRef idx="0"/>
+    <cs:effectRef idx="0"/>
+    <cs:fontRef idx="minor">
+      <a:schemeClr val="tx1"/>
+    </cs:fontRef>
+    <cs:spPr>
+      <a:ln w="9525" cap="flat" cmpd="sng" algn="ctr">
+        <a:solidFill>
+          <a:schemeClr val="tx1">
+            <a:lumMod val="5000"/>
+            <a:lumOff val="95000"/>
+          </a:schemeClr>
+        </a:solidFill>
+        <a:round/>
+      </a:ln>
+    </cs:spPr>
+  </cs:gridlineMinor>
+  <cs:hiLoLine>
+    <cs:lnRef idx="0"/>
+    <cs:fillRef idx="0"/>
+    <cs:effectRef idx="0"/>
+    <cs:fontRef idx="minor">
+      <a:schemeClr val="tx1"/>
+    </cs:fontRef>
+    <cs:spPr>
+      <a:ln w="9525" cap="flat" cmpd="sng" algn="ctr">
+        <a:solidFill>
+          <a:schemeClr val="tx1">
+            <a:lumMod val="50000"/>
+            <a:lumOff val="50000"/>
+          </a:schemeClr>
+        </a:solidFill>
+        <a:round/>
+      </a:ln>
+    </cs:spPr>
+  </cs:hiLoLine>
+  <cs:leaderLine>
+    <cs:lnRef idx="0"/>
+    <cs:fillRef idx="0"/>
+    <cs:effectRef idx="0"/>
+    <cs:fontRef idx="minor">
+      <a:schemeClr val="tx1"/>
+    </cs:fontRef>
+    <cs:spPr>
+      <a:ln w="9525" cap="flat" cmpd="sng" algn="ctr">
+        <a:solidFill>
+          <a:schemeClr val="tx1">
+            <a:lumMod val="35000"/>
+            <a:lumOff val="65000"/>
+          </a:schemeClr>
+        </a:solidFill>
+        <a:round/>
+      </a:ln>
+    </cs:spPr>
+  </cs:leaderLine>
+  <cs:legend>
+    <cs:lnRef idx="0"/>
+    <cs:fillRef idx="0"/>
+    <cs:effectRef idx="0"/>
+    <cs:fontRef idx="minor">
+      <a:schemeClr val="tx1">
+        <a:lumMod val="65000"/>
+        <a:lumOff val="35000"/>
+      </a:schemeClr>
+    </cs:fontRef>
+    <cs:defRPr sz="900" kern="1200"/>
+  </cs:legend>
+  <cs:plotArea mods="allowNoFillOverride allowNoLineOverride">
+    <cs:lnRef idx="0"/>
+    <cs:fillRef idx="0"/>
+    <cs:effectRef idx="0"/>
+    <cs:fontRef idx="minor">
+      <a:schemeClr val="tx1"/>
+    </cs:fontRef>
+  </cs:plotArea>
+  <cs:plotArea3D mods="allowNoFillOverride allowNoLineOverride">
+    <cs:lnRef idx="0"/>
+    <cs:fillRef idx="0"/>
+    <cs:effectRef idx="0"/>
+    <cs:fontRef idx="minor">
+      <a:schemeClr val="tx1"/>
+    </cs:fontRef>
+  </cs:plotArea3D>
+  <cs:seriesAxis>
+    <cs:lnRef idx="0"/>
+    <cs:fillRef idx="0"/>
+    <cs:effectRef idx="0"/>
+    <cs:fontRef idx="minor">
+      <a:schemeClr val="tx1">
+        <a:lumMod val="65000"/>
+        <a:lumOff val="35000"/>
+      </a:schemeClr>
+    </cs:fontRef>
+    <cs:defRPr sz="900" kern="1200"/>
+  </cs:seriesAxis>
+  <cs:seriesLine>
+    <cs:lnRef idx="0"/>
+    <cs:fillRef idx="0"/>
+    <cs:effectRef idx="0"/>
+    <cs:fontRef idx="minor">
+      <a:schemeClr val="tx1"/>
+    </cs:fontRef>
+    <cs:spPr>
+      <a:ln w="9525" cap="flat" cmpd="sng" algn="ctr">
+        <a:solidFill>
+          <a:schemeClr val="tx1">
+            <a:lumMod val="35000"/>
+            <a:lumOff val="65000"/>
+          </a:schemeClr>
+        </a:solidFill>
+        <a:round/>
+      </a:ln>
+    </cs:spPr>
+  </cs:seriesLine>
+  <cs:title>
+    <cs:lnRef idx="0"/>
+    <cs:fillRef idx="0"/>
+    <cs:effectRef idx="0"/>
+    <cs:fontRef idx="minor">
+      <a:schemeClr val="tx1">
+        <a:lumMod val="65000"/>
+        <a:lumOff val="35000"/>
+      </a:schemeClr>
+    </cs:fontRef>
+    <cs:defRPr sz="1400" b="0" kern="1200" spc="0" baseline="0"/>
+  </cs:title>
+  <cs:trendline>
+    <cs:lnRef idx="0">
+      <cs:styleClr val="auto"/>
+    </cs:lnRef>
+    <cs:fillRef idx="0"/>
+    <cs:effectRef idx="0"/>
+    <cs:fontRef idx="minor">
+      <a:schemeClr val="tx1"/>
+    </cs:fontRef>
+    <cs:spPr>
+      <a:ln w="19050" cap="rnd">
+        <a:solidFill>
+          <a:schemeClr val="phClr"/>
+        </a:solidFill>
+        <a:prstDash val="sysDot"/>
+      </a:ln>
+    </cs:spPr>
+  </cs:trendline>
+  <cs:trendlineLabel>
+    <cs:lnRef idx="0"/>
+    <cs:fillRef idx="0"/>
+    <cs:effectRef idx="0"/>
+    <cs:fontRef idx="minor">
+      <a:schemeClr val="tx1">
+        <a:lumMod val="65000"/>
+        <a:lumOff val="35000"/>
+      </a:schemeClr>
+    </cs:fontRef>
+    <cs:defRPr sz="900" kern="1200"/>
+  </cs:trendlineLabel>
+  <cs:upBar>
+    <cs:lnRef idx="0"/>
+    <cs:fillRef idx="0"/>
+    <cs:effectRef idx="0"/>
+    <cs:fontRef idx="minor">
+      <a:schemeClr val="tx1"/>
+    </cs:fontRef>
+    <cs:spPr>
+      <a:solidFill>
+        <a:schemeClr val="lt1"/>
+      </a:solidFill>
+      <a:ln w="9525" cap="flat" cmpd="sng" algn="ctr">
+        <a:solidFill>
+          <a:schemeClr val="tx1">
+            <a:lumMod val="65000"/>
+            <a:lumOff val="35000"/>
+          </a:schemeClr>
+        </a:solidFill>
+        <a:round/>
+      </a:ln>
+    </cs:spPr>
+  </cs:upBar>
+  <cs:valueAxis>
+    <cs:lnRef idx="0"/>
+    <cs:fillRef idx="0"/>
+    <cs:effectRef idx="0"/>
+    <cs:fontRef idx="minor">
+      <a:schemeClr val="tx1">
+        <a:lumMod val="65000"/>
+        <a:lumOff val="35000"/>
+      </a:schemeClr>
+    </cs:fontRef>
+    <cs:defRPr sz="900" kern="1200"/>
+  </cs:valueAxis>
+  <cs:wall>
+    <cs:lnRef idx="0"/>
+    <cs:fillRef idx="0"/>
+    <cs:effectRef idx="0"/>
+    <cs:fontRef idx="minor">
+      <a:schemeClr val="tx1"/>
+    </cs:fontRef>
+    <cs:spPr>
+      <a:noFill/>
+      <a:ln>
+        <a:noFill/>
+      </a:ln>
+    </cs:spPr>
+  </cs:wall>
+</cs:chartStyle>
 </file>
 
 <file path=ppt/notesMasters/notesMaster1.xml><?xml version="1.0" encoding="utf-8"?>
@@ -3444,7 +6566,7 @@
           <p:cNvPr id="16" name="그림 15">
             <a:extLst>
               <a:ext uri="{FF2B5EF4-FFF2-40B4-BE49-F238E27FC236}">
-                <a16:creationId xmlns="" xmlns:a16="http://schemas.microsoft.com/office/drawing/2014/main" id="{08326906-BADA-D546-B5EB-0B3FD0E33788}"/>
+                <a16:creationId xmlns:a16="http://schemas.microsoft.com/office/drawing/2014/main" xmlns="" id="{08326906-BADA-D546-B5EB-0B3FD0E33788}"/>
               </a:ext>
             </a:extLst>
           </p:cNvPr>
@@ -3480,7 +6602,7 @@
           <p:cNvPr id="7" name="AutoShape 2" descr="https://sdet-bts.atlassian.net/wiki/download/thumbnails/196610/IMG-7052.JPG?version=1&amp;modificationDate=1531539508835&amp;cacheVersion=1&amp;api=v2&amp;width=100">
             <a:extLst>
               <a:ext uri="{FF2B5EF4-FFF2-40B4-BE49-F238E27FC236}">
-                <a16:creationId xmlns="" xmlns:a16="http://schemas.microsoft.com/office/drawing/2014/main" id="{3E3EB99E-BC9F-8649-BC00-DD719F02A210}"/>
+                <a16:creationId xmlns:a16="http://schemas.microsoft.com/office/drawing/2014/main" xmlns="" id="{3E3EB99E-BC9F-8649-BC00-DD719F02A210}"/>
               </a:ext>
             </a:extLst>
           </p:cNvPr>
@@ -3525,7 +6647,7 @@
           <p:cNvPr id="9" name="AutoShape 3" descr="https://sdet-bts.atlassian.net/wiki/download/thumbnails/196610/IMG-7056.JPG?version=1&amp;modificationDate=1531539497859&amp;cacheVersion=1&amp;api=v2&amp;width=100">
             <a:extLst>
               <a:ext uri="{FF2B5EF4-FFF2-40B4-BE49-F238E27FC236}">
-                <a16:creationId xmlns="" xmlns:a16="http://schemas.microsoft.com/office/drawing/2014/main" id="{3DDF5B4F-EB0C-8645-B31C-EB08F27A637E}"/>
+                <a16:creationId xmlns:a16="http://schemas.microsoft.com/office/drawing/2014/main" xmlns="" id="{3DDF5B4F-EB0C-8645-B31C-EB08F27A637E}"/>
               </a:ext>
             </a:extLst>
           </p:cNvPr>
@@ -3570,7 +6692,7 @@
           <p:cNvPr id="15" name="TextBox 14">
             <a:extLst>
               <a:ext uri="{FF2B5EF4-FFF2-40B4-BE49-F238E27FC236}">
-                <a16:creationId xmlns="" xmlns:a16="http://schemas.microsoft.com/office/drawing/2014/main" id="{A046B8AF-E701-F948-80F0-187808BB4ED5}"/>
+                <a16:creationId xmlns:a16="http://schemas.microsoft.com/office/drawing/2014/main" xmlns="" id="{A046B8AF-E701-F948-80F0-187808BB4ED5}"/>
               </a:ext>
             </a:extLst>
           </p:cNvPr>
@@ -3644,7 +6766,7 @@
           <p:cNvPr id="5" name="슬라이드 번호 개체 틀 4">
             <a:extLst>
               <a:ext uri="{FF2B5EF4-FFF2-40B4-BE49-F238E27FC236}">
-                <a16:creationId xmlns="" xmlns:a16="http://schemas.microsoft.com/office/drawing/2014/main" id="{9FA75F19-B7A8-6A4F-A5D3-84D9FFF88627}"/>
+                <a16:creationId xmlns:a16="http://schemas.microsoft.com/office/drawing/2014/main" xmlns="" id="{9FA75F19-B7A8-6A4F-A5D3-84D9FFF88627}"/>
               </a:ext>
             </a:extLst>
           </p:cNvPr>
@@ -3670,138 +6792,10 @@
       </p:sp>
       <p:sp>
         <p:nvSpPr>
-          <p:cNvPr id="6" name="TextBox 5">
-            <a:extLst>
-              <a:ext uri="{FF2B5EF4-FFF2-40B4-BE49-F238E27FC236}">
-                <a16:creationId xmlns="" xmlns:a16="http://schemas.microsoft.com/office/drawing/2014/main" id="{255C3C49-883C-204B-8A2C-B220C66630BD}"/>
-              </a:ext>
-            </a:extLst>
-          </p:cNvPr>
-          <p:cNvSpPr txBox="1"/>
-          <p:nvPr/>
-        </p:nvSpPr>
-        <p:spPr>
-          <a:xfrm>
-            <a:off x="256071" y="836712"/>
-            <a:ext cx="8496944" cy="3677930"/>
-          </a:xfrm>
-          <a:prstGeom prst="rect">
-            <a:avLst/>
-          </a:prstGeom>
-          <a:noFill/>
-        </p:spPr>
-        <p:txBody>
-          <a:bodyPr wrap="square" rtlCol="0">
-            <a:spAutoFit/>
-          </a:bodyPr>
-          <a:lstStyle/>
-          <a:p>
-            <a:pPr marL="285750" indent="-285750">
-              <a:lnSpc>
-                <a:spcPct val="130000"/>
-              </a:lnSpc>
-              <a:buFont typeface="Arial" panose="020B0604020202020204" pitchFamily="34" charset="0"/>
-              <a:buChar char="•"/>
-            </a:pPr>
-            <a:r>
-              <a:rPr lang="en-US" altLang="ko-KR" sz="2000" b="1" dirty="0"/>
-              <a:t>Team members</a:t>
-            </a:r>
-          </a:p>
-          <a:p>
-            <a:pPr marL="742950" lvl="1" indent="-285750">
-              <a:lnSpc>
-                <a:spcPct val="150000"/>
-              </a:lnSpc>
-              <a:buFont typeface="Wingdings" pitchFamily="2" charset="2"/>
-              <a:buChar char="ü"/>
-            </a:pPr>
-            <a:r>
-              <a:rPr lang="en-US" altLang="ko-KR" dirty="0"/>
-              <a:t>Sungho Chin</a:t>
-            </a:r>
-          </a:p>
-          <a:p>
-            <a:pPr marL="742950" lvl="1" indent="-285750">
-              <a:lnSpc>
-                <a:spcPct val="150000"/>
-              </a:lnSpc>
-              <a:buFont typeface="Wingdings" pitchFamily="2" charset="2"/>
-              <a:buChar char="ü"/>
-            </a:pPr>
-            <a:r>
-              <a:rPr lang="en-US" altLang="ko-KR" dirty="0"/>
-              <a:t>~~</a:t>
-            </a:r>
-          </a:p>
-          <a:p>
-            <a:pPr marL="742950" lvl="1" indent="-285750">
-              <a:lnSpc>
-                <a:spcPct val="150000"/>
-              </a:lnSpc>
-              <a:buFont typeface="Wingdings" pitchFamily="2" charset="2"/>
-              <a:buChar char="ü"/>
-            </a:pPr>
-            <a:r>
-              <a:rPr lang="en-US" altLang="ko-KR" dirty="0"/>
-              <a:t>~~~</a:t>
-            </a:r>
-          </a:p>
-          <a:p>
-            <a:pPr lvl="1">
-              <a:lnSpc>
-                <a:spcPct val="150000"/>
-              </a:lnSpc>
-            </a:pPr>
-            <a:endParaRPr lang="en-US" altLang="ko-KR" dirty="0"/>
-          </a:p>
-          <a:p>
-            <a:pPr marL="285750" indent="-285750">
-              <a:lnSpc>
-                <a:spcPct val="150000"/>
-              </a:lnSpc>
-              <a:buFont typeface="Arial" panose="020B0604020202020204" pitchFamily="34" charset="0"/>
-              <a:buChar char="•"/>
-            </a:pPr>
-            <a:r>
-              <a:rPr lang="en-US" altLang="ko-KR" b="1" dirty="0"/>
-              <a:t>Team Goal</a:t>
-            </a:r>
-          </a:p>
-          <a:p>
-            <a:pPr marL="285750" indent="-285750">
-              <a:lnSpc>
-                <a:spcPct val="150000"/>
-              </a:lnSpc>
-              <a:buFont typeface="Arial" panose="020B0604020202020204" pitchFamily="34" charset="0"/>
-              <a:buChar char="•"/>
-            </a:pPr>
-            <a:r>
-              <a:rPr lang="en-US" altLang="ko-KR" b="1" dirty="0"/>
-              <a:t>Team Process.</a:t>
-            </a:r>
-          </a:p>
-          <a:p>
-            <a:pPr marL="742950" lvl="1" indent="-285750">
-              <a:lnSpc>
-                <a:spcPct val="150000"/>
-              </a:lnSpc>
-              <a:buFont typeface="Arial" panose="020B0604020202020204" pitchFamily="34" charset="0"/>
-              <a:buChar char="•"/>
-            </a:pPr>
-            <a:endParaRPr lang="en-US" altLang="ko-KR" dirty="0"/>
-          </a:p>
-          <a:p>
-            <a:endParaRPr lang="en-US" altLang="ko-KR" dirty="0"/>
-          </a:p>
-        </p:txBody>
-      </p:sp>
-      <p:sp>
-        <p:nvSpPr>
           <p:cNvPr id="7" name="TextBox 6">
             <a:extLst>
               <a:ext uri="{FF2B5EF4-FFF2-40B4-BE49-F238E27FC236}">
-                <a16:creationId xmlns="" xmlns:a16="http://schemas.microsoft.com/office/drawing/2014/main" id="{B4B1FE1F-6CD7-654F-8F56-C2F661931D17}"/>
+                <a16:creationId xmlns:a16="http://schemas.microsoft.com/office/drawing/2014/main" xmlns="" id="{B4B1FE1F-6CD7-654F-8F56-C2F661931D17}"/>
               </a:ext>
             </a:extLst>
           </p:cNvPr>
@@ -3825,8 +6819,8 @@
           <a:lstStyle/>
           <a:p>
             <a:r>
-              <a:rPr lang="en-US" altLang="ko-KR" sz="2400" b="1" dirty="0"/>
-              <a:t>Team introductions</a:t>
+              <a:rPr lang="en-US" altLang="ko-KR" sz="2400" b="1" dirty="0" smtClean="0"/>
+              <a:t>Defect Categorization</a:t>
             </a:r>
             <a:endParaRPr lang="ko-KR" altLang="en-US" sz="2400" b="1" dirty="0"/>
           </a:p>
@@ -3837,7 +6831,7 @@
           <p:cNvPr id="8" name="그림 7">
             <a:extLst>
               <a:ext uri="{FF2B5EF4-FFF2-40B4-BE49-F238E27FC236}">
-                <a16:creationId xmlns="" xmlns:a16="http://schemas.microsoft.com/office/drawing/2014/main" id="{434B5C57-8B8B-1A4A-B338-3D39BA11B5B9}"/>
+                <a16:creationId xmlns:a16="http://schemas.microsoft.com/office/drawing/2014/main" xmlns="" id="{434B5C57-8B8B-1A4A-B338-3D39BA11B5B9}"/>
               </a:ext>
             </a:extLst>
           </p:cNvPr>
@@ -3868,6 +6862,207 @@
           </a:prstGeom>
         </p:spPr>
       </p:pic>
+      <p:sp>
+        <p:nvSpPr>
+          <p:cNvPr id="10" name="TextBox 9">
+            <a:extLst>
+              <a:ext uri="{FF2B5EF4-FFF2-40B4-BE49-F238E27FC236}">
+                <a16:creationId xmlns:a16="http://schemas.microsoft.com/office/drawing/2014/main" xmlns="" id="{255C3C49-883C-204B-8A2C-B220C66630BD}"/>
+              </a:ext>
+            </a:extLst>
+          </p:cNvPr>
+          <p:cNvSpPr txBox="1"/>
+          <p:nvPr/>
+        </p:nvSpPr>
+        <p:spPr>
+          <a:xfrm>
+            <a:off x="256071" y="726661"/>
+            <a:ext cx="8496944" cy="448328"/>
+          </a:xfrm>
+          <a:prstGeom prst="rect">
+            <a:avLst/>
+          </a:prstGeom>
+          <a:noFill/>
+        </p:spPr>
+        <p:txBody>
+          <a:bodyPr wrap="square" rtlCol="0">
+            <a:spAutoFit/>
+          </a:bodyPr>
+          <a:lstStyle/>
+          <a:p>
+            <a:pPr marL="285750" indent="-285750">
+              <a:lnSpc>
+                <a:spcPct val="130000"/>
+              </a:lnSpc>
+              <a:buFont typeface="Arial" panose="020B0604020202020204" pitchFamily="34" charset="0"/>
+              <a:buChar char="•"/>
+            </a:pPr>
+            <a:r>
+              <a:rPr lang="en-US" altLang="ko-KR" sz="2000" b="1" dirty="0" smtClean="0"/>
+              <a:t>Defect Detecting Method / Tool</a:t>
+            </a:r>
+            <a:endParaRPr lang="en-US" altLang="ko-KR" dirty="0"/>
+          </a:p>
+        </p:txBody>
+      </p:sp>
+      <p:sp>
+        <p:nvSpPr>
+          <p:cNvPr id="12" name="TextBox 11">
+            <a:extLst>
+              <a:ext uri="{FF2B5EF4-FFF2-40B4-BE49-F238E27FC236}">
+                <a16:creationId xmlns:a16="http://schemas.microsoft.com/office/drawing/2014/main" xmlns="" id="{255C3C49-883C-204B-8A2C-B220C66630BD}"/>
+              </a:ext>
+            </a:extLst>
+          </p:cNvPr>
+          <p:cNvSpPr txBox="1"/>
+          <p:nvPr/>
+        </p:nvSpPr>
+        <p:spPr>
+          <a:xfrm>
+            <a:off x="256071" y="4852662"/>
+            <a:ext cx="8496944" cy="492443"/>
+          </a:xfrm>
+          <a:prstGeom prst="rect">
+            <a:avLst/>
+          </a:prstGeom>
+          <a:noFill/>
+        </p:spPr>
+        <p:txBody>
+          <a:bodyPr wrap="square" rtlCol="0">
+            <a:spAutoFit/>
+          </a:bodyPr>
+          <a:lstStyle/>
+          <a:p>
+            <a:pPr marL="285750" indent="-285750">
+              <a:lnSpc>
+                <a:spcPct val="130000"/>
+              </a:lnSpc>
+              <a:buFont typeface="Arial" panose="020B0604020202020204" pitchFamily="34" charset="0"/>
+              <a:buChar char="•"/>
+            </a:pPr>
+            <a:r>
+              <a:rPr lang="en-US" altLang="ko-KR" sz="2000" b="1" dirty="0" smtClean="0"/>
+              <a:t>Defect Reporter</a:t>
+            </a:r>
+            <a:endParaRPr lang="en-US" altLang="ko-KR" dirty="0"/>
+          </a:p>
+        </p:txBody>
+      </p:sp>
+      <p:sp>
+        <p:nvSpPr>
+          <p:cNvPr id="13" name="TextBox 12">
+            <a:extLst>
+              <a:ext uri="{FF2B5EF4-FFF2-40B4-BE49-F238E27FC236}">
+                <a16:creationId xmlns:a16="http://schemas.microsoft.com/office/drawing/2014/main" xmlns="" id="{255C3C49-883C-204B-8A2C-B220C66630BD}"/>
+              </a:ext>
+            </a:extLst>
+          </p:cNvPr>
+          <p:cNvSpPr txBox="1"/>
+          <p:nvPr/>
+        </p:nvSpPr>
+        <p:spPr>
+          <a:xfrm>
+            <a:off x="256071" y="3052680"/>
+            <a:ext cx="8496944" cy="448328"/>
+          </a:xfrm>
+          <a:prstGeom prst="rect">
+            <a:avLst/>
+          </a:prstGeom>
+          <a:noFill/>
+        </p:spPr>
+        <p:txBody>
+          <a:bodyPr wrap="square" rtlCol="0">
+            <a:spAutoFit/>
+          </a:bodyPr>
+          <a:lstStyle/>
+          <a:p>
+            <a:pPr marL="285750" indent="-285750">
+              <a:lnSpc>
+                <a:spcPct val="130000"/>
+              </a:lnSpc>
+              <a:buFont typeface="Arial" panose="020B0604020202020204" pitchFamily="34" charset="0"/>
+              <a:buChar char="•"/>
+            </a:pPr>
+            <a:r>
+              <a:rPr lang="en-US" altLang="ko-KR" sz="2000" b="1" dirty="0" smtClean="0"/>
+              <a:t>Defect Severity</a:t>
+            </a:r>
+            <a:endParaRPr lang="en-US" altLang="ko-KR" dirty="0"/>
+          </a:p>
+        </p:txBody>
+      </p:sp>
+      <p:graphicFrame>
+        <p:nvGraphicFramePr>
+          <p:cNvPr id="15" name="차트 14"/>
+          <p:cNvGraphicFramePr>
+            <a:graphicFrameLocks/>
+          </p:cNvGraphicFramePr>
+          <p:nvPr>
+            <p:extLst>
+              <p:ext uri="{D42A27DB-BD31-4B8C-83A1-F6EECF244321}">
+                <p14:modId xmlns:p14="http://schemas.microsoft.com/office/powerpoint/2010/main" val="1407884549"/>
+              </p:ext>
+            </p:extLst>
+          </p:nvPr>
+        </p:nvGraphicFramePr>
+        <p:xfrm>
+          <a:off x="133349" y="1174989"/>
+          <a:ext cx="6958507" cy="1812177"/>
+        </p:xfrm>
+        <a:graphic>
+          <a:graphicData uri="http://schemas.openxmlformats.org/drawingml/2006/chart">
+            <c:chart xmlns:c="http://schemas.openxmlformats.org/drawingml/2006/chart" xmlns:r="http://schemas.openxmlformats.org/officeDocument/2006/relationships" r:id="rId3"/>
+          </a:graphicData>
+        </a:graphic>
+      </p:graphicFrame>
+      <p:graphicFrame>
+        <p:nvGraphicFramePr>
+          <p:cNvPr id="16" name="차트 15"/>
+          <p:cNvGraphicFramePr>
+            <a:graphicFrameLocks/>
+          </p:cNvGraphicFramePr>
+          <p:nvPr>
+            <p:extLst>
+              <p:ext uri="{D42A27DB-BD31-4B8C-83A1-F6EECF244321}">
+                <p14:modId xmlns:p14="http://schemas.microsoft.com/office/powerpoint/2010/main" val="3679934312"/>
+              </p:ext>
+            </p:extLst>
+          </p:nvPr>
+        </p:nvGraphicFramePr>
+        <p:xfrm>
+          <a:off x="1259633" y="3532431"/>
+          <a:ext cx="5915794" cy="1258267"/>
+        </p:xfrm>
+        <a:graphic>
+          <a:graphicData uri="http://schemas.openxmlformats.org/drawingml/2006/chart">
+            <c:chart xmlns:c="http://schemas.openxmlformats.org/drawingml/2006/chart" xmlns:r="http://schemas.openxmlformats.org/officeDocument/2006/relationships" r:id="rId4"/>
+          </a:graphicData>
+        </a:graphic>
+      </p:graphicFrame>
+      <p:graphicFrame>
+        <p:nvGraphicFramePr>
+          <p:cNvPr id="17" name="차트 16"/>
+          <p:cNvGraphicFramePr>
+            <a:graphicFrameLocks/>
+          </p:cNvGraphicFramePr>
+          <p:nvPr>
+            <p:extLst>
+              <p:ext uri="{D42A27DB-BD31-4B8C-83A1-F6EECF244321}">
+                <p14:modId xmlns:p14="http://schemas.microsoft.com/office/powerpoint/2010/main" val="2666385951"/>
+              </p:ext>
+            </p:extLst>
+          </p:nvPr>
+        </p:nvGraphicFramePr>
+        <p:xfrm>
+          <a:off x="719630" y="5240304"/>
+          <a:ext cx="6372226" cy="1456455"/>
+        </p:xfrm>
+        <a:graphic>
+          <a:graphicData uri="http://schemas.openxmlformats.org/drawingml/2006/chart">
+            <c:chart xmlns:c="http://schemas.openxmlformats.org/drawingml/2006/chart" xmlns:r="http://schemas.openxmlformats.org/officeDocument/2006/relationships" r:id="rId5"/>
+          </a:graphicData>
+        </a:graphic>
+      </p:graphicFrame>
     </p:spTree>
     <p:extLst>
       <p:ext uri="{BB962C8B-B14F-4D97-AF65-F5344CB8AC3E}">
@@ -3910,7 +7105,7 @@
           <p:cNvPr id="5" name="슬라이드 번호 개체 틀 4">
             <a:extLst>
               <a:ext uri="{FF2B5EF4-FFF2-40B4-BE49-F238E27FC236}">
-                <a16:creationId xmlns="" xmlns:a16="http://schemas.microsoft.com/office/drawing/2014/main" id="{9FA75F19-B7A8-6A4F-A5D3-84D9FFF88627}"/>
+                <a16:creationId xmlns:a16="http://schemas.microsoft.com/office/drawing/2014/main" xmlns="" id="{9FA75F19-B7A8-6A4F-A5D3-84D9FFF88627}"/>
               </a:ext>
             </a:extLst>
           </p:cNvPr>
@@ -3939,7 +7134,7 @@
           <p:cNvPr id="6" name="TextBox 5">
             <a:extLst>
               <a:ext uri="{FF2B5EF4-FFF2-40B4-BE49-F238E27FC236}">
-                <a16:creationId xmlns="" xmlns:a16="http://schemas.microsoft.com/office/drawing/2014/main" id="{255C3C49-883C-204B-8A2C-B220C66630BD}"/>
+                <a16:creationId xmlns:a16="http://schemas.microsoft.com/office/drawing/2014/main" xmlns="" id="{255C3C49-883C-204B-8A2C-B220C66630BD}"/>
               </a:ext>
             </a:extLst>
           </p:cNvPr>
@@ -4068,7 +7263,7 @@
           <p:cNvPr id="7" name="TextBox 6">
             <a:extLst>
               <a:ext uri="{FF2B5EF4-FFF2-40B4-BE49-F238E27FC236}">
-                <a16:creationId xmlns="" xmlns:a16="http://schemas.microsoft.com/office/drawing/2014/main" id="{B4B1FE1F-6CD7-654F-8F56-C2F661931D17}"/>
+                <a16:creationId xmlns:a16="http://schemas.microsoft.com/office/drawing/2014/main" xmlns="" id="{B4B1FE1F-6CD7-654F-8F56-C2F661931D17}"/>
               </a:ext>
             </a:extLst>
           </p:cNvPr>
@@ -4104,7 +7299,7 @@
           <p:cNvPr id="8" name="그림 7">
             <a:extLst>
               <a:ext uri="{FF2B5EF4-FFF2-40B4-BE49-F238E27FC236}">
-                <a16:creationId xmlns="" xmlns:a16="http://schemas.microsoft.com/office/drawing/2014/main" id="{434B5C57-8B8B-1A4A-B338-3D39BA11B5B9}"/>
+                <a16:creationId xmlns:a16="http://schemas.microsoft.com/office/drawing/2014/main" xmlns="" id="{434B5C57-8B8B-1A4A-B338-3D39BA11B5B9}"/>
               </a:ext>
             </a:extLst>
           </p:cNvPr>
@@ -4177,7 +7372,7 @@
           <p:cNvPr id="5" name="슬라이드 번호 개체 틀 4">
             <a:extLst>
               <a:ext uri="{FF2B5EF4-FFF2-40B4-BE49-F238E27FC236}">
-                <a16:creationId xmlns="" xmlns:a16="http://schemas.microsoft.com/office/drawing/2014/main" id="{9FA75F19-B7A8-6A4F-A5D3-84D9FFF88627}"/>
+                <a16:creationId xmlns:a16="http://schemas.microsoft.com/office/drawing/2014/main" xmlns="" id="{9FA75F19-B7A8-6A4F-A5D3-84D9FFF88627}"/>
               </a:ext>
             </a:extLst>
           </p:cNvPr>
@@ -4206,7 +7401,7 @@
           <p:cNvPr id="6" name="TextBox 5">
             <a:extLst>
               <a:ext uri="{FF2B5EF4-FFF2-40B4-BE49-F238E27FC236}">
-                <a16:creationId xmlns="" xmlns:a16="http://schemas.microsoft.com/office/drawing/2014/main" id="{255C3C49-883C-204B-8A2C-B220C66630BD}"/>
+                <a16:creationId xmlns:a16="http://schemas.microsoft.com/office/drawing/2014/main" xmlns="" id="{255C3C49-883C-204B-8A2C-B220C66630BD}"/>
               </a:ext>
             </a:extLst>
           </p:cNvPr>
@@ -4471,7 +7666,7 @@
           <p:cNvPr id="7" name="TextBox 6">
             <a:extLst>
               <a:ext uri="{FF2B5EF4-FFF2-40B4-BE49-F238E27FC236}">
-                <a16:creationId xmlns="" xmlns:a16="http://schemas.microsoft.com/office/drawing/2014/main" id="{B4B1FE1F-6CD7-654F-8F56-C2F661931D17}"/>
+                <a16:creationId xmlns:a16="http://schemas.microsoft.com/office/drawing/2014/main" xmlns="" id="{B4B1FE1F-6CD7-654F-8F56-C2F661931D17}"/>
               </a:ext>
             </a:extLst>
           </p:cNvPr>
@@ -4507,7 +7702,7 @@
           <p:cNvPr id="8" name="그림 7">
             <a:extLst>
               <a:ext uri="{FF2B5EF4-FFF2-40B4-BE49-F238E27FC236}">
-                <a16:creationId xmlns="" xmlns:a16="http://schemas.microsoft.com/office/drawing/2014/main" id="{434B5C57-8B8B-1A4A-B338-3D39BA11B5B9}"/>
+                <a16:creationId xmlns:a16="http://schemas.microsoft.com/office/drawing/2014/main" xmlns="" id="{434B5C57-8B8B-1A4A-B338-3D39BA11B5B9}"/>
               </a:ext>
             </a:extLst>
           </p:cNvPr>
@@ -4621,7 +7816,7 @@
           <p:cNvPr id="5" name="슬라이드 번호 개체 틀 4">
             <a:extLst>
               <a:ext uri="{FF2B5EF4-FFF2-40B4-BE49-F238E27FC236}">
-                <a16:creationId xmlns="" xmlns:a16="http://schemas.microsoft.com/office/drawing/2014/main" id="{9FA75F19-B7A8-6A4F-A5D3-84D9FFF88627}"/>
+                <a16:creationId xmlns:a16="http://schemas.microsoft.com/office/drawing/2014/main" xmlns="" id="{9FA75F19-B7A8-6A4F-A5D3-84D9FFF88627}"/>
               </a:ext>
             </a:extLst>
           </p:cNvPr>
@@ -4650,7 +7845,7 @@
           <p:cNvPr id="6" name="TextBox 5">
             <a:extLst>
               <a:ext uri="{FF2B5EF4-FFF2-40B4-BE49-F238E27FC236}">
-                <a16:creationId xmlns="" xmlns:a16="http://schemas.microsoft.com/office/drawing/2014/main" id="{255C3C49-883C-204B-8A2C-B220C66630BD}"/>
+                <a16:creationId xmlns:a16="http://schemas.microsoft.com/office/drawing/2014/main" xmlns="" id="{255C3C49-883C-204B-8A2C-B220C66630BD}"/>
               </a:ext>
             </a:extLst>
           </p:cNvPr>
@@ -4933,7 +8128,7 @@
           <p:cNvPr id="7" name="TextBox 6">
             <a:extLst>
               <a:ext uri="{FF2B5EF4-FFF2-40B4-BE49-F238E27FC236}">
-                <a16:creationId xmlns="" xmlns:a16="http://schemas.microsoft.com/office/drawing/2014/main" id="{B4B1FE1F-6CD7-654F-8F56-C2F661931D17}"/>
+                <a16:creationId xmlns:a16="http://schemas.microsoft.com/office/drawing/2014/main" xmlns="" id="{B4B1FE1F-6CD7-654F-8F56-C2F661931D17}"/>
               </a:ext>
             </a:extLst>
           </p:cNvPr>
@@ -4969,7 +8164,7 @@
           <p:cNvPr id="8" name="그림 7">
             <a:extLst>
               <a:ext uri="{FF2B5EF4-FFF2-40B4-BE49-F238E27FC236}">
-                <a16:creationId xmlns="" xmlns:a16="http://schemas.microsoft.com/office/drawing/2014/main" id="{434B5C57-8B8B-1A4A-B338-3D39BA11B5B9}"/>
+                <a16:creationId xmlns:a16="http://schemas.microsoft.com/office/drawing/2014/main" xmlns="" id="{434B5C57-8B8B-1A4A-B338-3D39BA11B5B9}"/>
               </a:ext>
             </a:extLst>
           </p:cNvPr>
@@ -5138,7 +8333,7 @@
           <p:cNvPr id="5" name="슬라이드 번호 개체 틀 4">
             <a:extLst>
               <a:ext uri="{FF2B5EF4-FFF2-40B4-BE49-F238E27FC236}">
-                <a16:creationId xmlns="" xmlns:a16="http://schemas.microsoft.com/office/drawing/2014/main" id="{9FA75F19-B7A8-6A4F-A5D3-84D9FFF88627}"/>
+                <a16:creationId xmlns:a16="http://schemas.microsoft.com/office/drawing/2014/main" xmlns="" id="{9FA75F19-B7A8-6A4F-A5D3-84D9FFF88627}"/>
               </a:ext>
             </a:extLst>
           </p:cNvPr>
@@ -5167,7 +8362,7 @@
           <p:cNvPr id="7" name="TextBox 6">
             <a:extLst>
               <a:ext uri="{FF2B5EF4-FFF2-40B4-BE49-F238E27FC236}">
-                <a16:creationId xmlns="" xmlns:a16="http://schemas.microsoft.com/office/drawing/2014/main" id="{B4B1FE1F-6CD7-654F-8F56-C2F661931D17}"/>
+                <a16:creationId xmlns:a16="http://schemas.microsoft.com/office/drawing/2014/main" xmlns="" id="{B4B1FE1F-6CD7-654F-8F56-C2F661931D17}"/>
               </a:ext>
             </a:extLst>
           </p:cNvPr>
@@ -5203,7 +8398,7 @@
           <p:cNvPr id="8" name="그림 7">
             <a:extLst>
               <a:ext uri="{FF2B5EF4-FFF2-40B4-BE49-F238E27FC236}">
-                <a16:creationId xmlns="" xmlns:a16="http://schemas.microsoft.com/office/drawing/2014/main" id="{434B5C57-8B8B-1A4A-B338-3D39BA11B5B9}"/>
+                <a16:creationId xmlns:a16="http://schemas.microsoft.com/office/drawing/2014/main" xmlns="" id="{434B5C57-8B8B-1A4A-B338-3D39BA11B5B9}"/>
               </a:ext>
             </a:extLst>
           </p:cNvPr>
@@ -6635,7 +9830,7 @@
           <p:cNvPr id="5" name="슬라이드 번호 개체 틀 4">
             <a:extLst>
               <a:ext uri="{FF2B5EF4-FFF2-40B4-BE49-F238E27FC236}">
-                <a16:creationId xmlns="" xmlns:a16="http://schemas.microsoft.com/office/drawing/2014/main" id="{9FA75F19-B7A8-6A4F-A5D3-84D9FFF88627}"/>
+                <a16:creationId xmlns:a16="http://schemas.microsoft.com/office/drawing/2014/main" xmlns="" id="{9FA75F19-B7A8-6A4F-A5D3-84D9FFF88627}"/>
               </a:ext>
             </a:extLst>
           </p:cNvPr>
@@ -6664,7 +9859,7 @@
           <p:cNvPr id="7" name="TextBox 6">
             <a:extLst>
               <a:ext uri="{FF2B5EF4-FFF2-40B4-BE49-F238E27FC236}">
-                <a16:creationId xmlns="" xmlns:a16="http://schemas.microsoft.com/office/drawing/2014/main" id="{B4B1FE1F-6CD7-654F-8F56-C2F661931D17}"/>
+                <a16:creationId xmlns:a16="http://schemas.microsoft.com/office/drawing/2014/main" xmlns="" id="{B4B1FE1F-6CD7-654F-8F56-C2F661931D17}"/>
               </a:ext>
             </a:extLst>
           </p:cNvPr>
@@ -6700,7 +9895,7 @@
           <p:cNvPr id="8" name="그림 7">
             <a:extLst>
               <a:ext uri="{FF2B5EF4-FFF2-40B4-BE49-F238E27FC236}">
-                <a16:creationId xmlns="" xmlns:a16="http://schemas.microsoft.com/office/drawing/2014/main" id="{434B5C57-8B8B-1A4A-B338-3D39BA11B5B9}"/>
+                <a16:creationId xmlns:a16="http://schemas.microsoft.com/office/drawing/2014/main" xmlns="" id="{434B5C57-8B8B-1A4A-B338-3D39BA11B5B9}"/>
               </a:ext>
             </a:extLst>
           </p:cNvPr>
